--- a/PNN_v1.pptx
+++ b/PNN_v1.pptx
@@ -1035,6 +1035,927 @@
 </file>
 
 <file path=ppt/diagrams/colors2.xml><?xml version="1.0" encoding="utf-8"?>
+<dgm:colorsDef xmlns:dgm="http://schemas.openxmlformats.org/drawingml/2006/diagram" xmlns:a="http://schemas.openxmlformats.org/drawingml/2006/main" uniqueId="urn:microsoft.com/office/officeart/2018/5/colors/Iconchunking_neutralicon_colorful1">
+  <dgm:title val=""/>
+  <dgm:desc val=""/>
+  <dgm:catLst>
+    <dgm:cat type="colorful" pri="10100"/>
+  </dgm:catLst>
+  <dgm:styleLbl name="node0">
+    <dgm:fillClrLst meth="repeat">
+      <a:schemeClr val="accent1"/>
+    </dgm:fillClrLst>
+    <dgm:linClrLst meth="repeat">
+      <a:schemeClr val="lt1"/>
+    </dgm:linClrLst>
+    <dgm:effectClrLst/>
+    <dgm:txLinClrLst/>
+    <dgm:txFillClrLst/>
+    <dgm:txEffectClrLst/>
+  </dgm:styleLbl>
+  <dgm:styleLbl name="node1">
+    <dgm:fillClrLst meth="repeat">
+      <a:schemeClr val="bg1"/>
+    </dgm:fillClrLst>
+    <dgm:linClrLst meth="repeat">
+      <a:schemeClr val="lt1">
+        <a:alpha val="0"/>
+      </a:schemeClr>
+    </dgm:linClrLst>
+    <dgm:effectClrLst/>
+    <dgm:txLinClrLst/>
+    <dgm:txFillClrLst meth="repeat">
+      <a:schemeClr val="dk1"/>
+    </dgm:txFillClrLst>
+    <dgm:txEffectClrLst/>
+  </dgm:styleLbl>
+  <dgm:styleLbl name="alignNode1">
+    <dgm:fillClrLst meth="repeat">
+      <a:schemeClr val="accent2"/>
+      <a:schemeClr val="accent3"/>
+      <a:schemeClr val="accent4"/>
+      <a:schemeClr val="accent5"/>
+      <a:schemeClr val="accent6"/>
+    </dgm:fillClrLst>
+    <dgm:linClrLst meth="repeat">
+      <a:schemeClr val="accent2"/>
+      <a:schemeClr val="accent3"/>
+      <a:schemeClr val="accent4"/>
+      <a:schemeClr val="accent5"/>
+      <a:schemeClr val="accent6"/>
+    </dgm:linClrLst>
+    <dgm:effectClrLst/>
+    <dgm:txLinClrLst/>
+    <dgm:txFillClrLst/>
+    <dgm:txEffectClrLst/>
+  </dgm:styleLbl>
+  <dgm:styleLbl name="lnNode1">
+    <dgm:fillClrLst meth="repeat">
+      <a:schemeClr val="accent2"/>
+      <a:schemeClr val="accent3"/>
+      <a:schemeClr val="accent4"/>
+      <a:schemeClr val="accent5"/>
+      <a:schemeClr val="accent6"/>
+    </dgm:fillClrLst>
+    <dgm:linClrLst meth="repeat">
+      <a:schemeClr val="lt1"/>
+    </dgm:linClrLst>
+    <dgm:effectClrLst/>
+    <dgm:txLinClrLst/>
+    <dgm:txFillClrLst/>
+    <dgm:txEffectClrLst/>
+  </dgm:styleLbl>
+  <dgm:styleLbl name="vennNode1">
+    <dgm:fillClrLst meth="repeat">
+      <a:schemeClr val="accent2">
+        <a:alpha val="50000"/>
+      </a:schemeClr>
+      <a:schemeClr val="accent3">
+        <a:alpha val="50000"/>
+      </a:schemeClr>
+      <a:schemeClr val="accent4">
+        <a:alpha val="50000"/>
+      </a:schemeClr>
+      <a:schemeClr val="accent5">
+        <a:alpha val="50000"/>
+      </a:schemeClr>
+      <a:schemeClr val="accent6">
+        <a:alpha val="50000"/>
+      </a:schemeClr>
+    </dgm:fillClrLst>
+    <dgm:linClrLst meth="repeat">
+      <a:schemeClr val="lt1"/>
+    </dgm:linClrLst>
+    <dgm:effectClrLst/>
+    <dgm:txLinClrLst/>
+    <dgm:txFillClrLst/>
+    <dgm:txEffectClrLst/>
+  </dgm:styleLbl>
+  <dgm:styleLbl name="node2">
+    <dgm:fillClrLst>
+      <a:schemeClr val="accent2"/>
+    </dgm:fillClrLst>
+    <dgm:linClrLst meth="repeat">
+      <a:schemeClr val="lt1"/>
+    </dgm:linClrLst>
+    <dgm:effectClrLst/>
+    <dgm:txLinClrLst/>
+    <dgm:txFillClrLst/>
+    <dgm:txEffectClrLst/>
+  </dgm:styleLbl>
+  <dgm:styleLbl name="node3">
+    <dgm:fillClrLst>
+      <a:schemeClr val="accent3"/>
+    </dgm:fillClrLst>
+    <dgm:linClrLst meth="repeat">
+      <a:schemeClr val="lt1"/>
+    </dgm:linClrLst>
+    <dgm:effectClrLst/>
+    <dgm:txLinClrLst/>
+    <dgm:txFillClrLst/>
+    <dgm:txEffectClrLst/>
+  </dgm:styleLbl>
+  <dgm:styleLbl name="node4">
+    <dgm:fillClrLst>
+      <a:schemeClr val="accent4"/>
+    </dgm:fillClrLst>
+    <dgm:linClrLst meth="repeat">
+      <a:schemeClr val="lt1"/>
+    </dgm:linClrLst>
+    <dgm:effectClrLst/>
+    <dgm:txLinClrLst/>
+    <dgm:txFillClrLst/>
+    <dgm:txEffectClrLst/>
+  </dgm:styleLbl>
+  <dgm:styleLbl name="fgImgPlace1">
+    <dgm:fillClrLst meth="repeat">
+      <a:schemeClr val="accent2">
+        <a:tint val="50000"/>
+      </a:schemeClr>
+      <a:schemeClr val="accent3">
+        <a:tint val="50000"/>
+      </a:schemeClr>
+      <a:schemeClr val="accent4">
+        <a:tint val="50000"/>
+      </a:schemeClr>
+      <a:schemeClr val="accent5">
+        <a:tint val="50000"/>
+      </a:schemeClr>
+      <a:schemeClr val="accent6">
+        <a:tint val="50000"/>
+      </a:schemeClr>
+    </dgm:fillClrLst>
+    <dgm:linClrLst meth="repeat">
+      <a:schemeClr val="lt1"/>
+    </dgm:linClrLst>
+    <dgm:effectClrLst/>
+    <dgm:txLinClrLst/>
+    <dgm:txFillClrLst meth="repeat">
+      <a:schemeClr val="lt1"/>
+    </dgm:txFillClrLst>
+    <dgm:txEffectClrLst/>
+  </dgm:styleLbl>
+  <dgm:styleLbl name="alignImgPlace1">
+    <dgm:fillClrLst>
+      <a:schemeClr val="accent1">
+        <a:tint val="50000"/>
+      </a:schemeClr>
+      <a:schemeClr val="accent2">
+        <a:tint val="20000"/>
+      </a:schemeClr>
+    </dgm:fillClrLst>
+    <dgm:linClrLst meth="repeat">
+      <a:schemeClr val="lt1"/>
+    </dgm:linClrLst>
+    <dgm:effectClrLst/>
+    <dgm:txLinClrLst/>
+    <dgm:txFillClrLst meth="repeat">
+      <a:schemeClr val="lt1"/>
+    </dgm:txFillClrLst>
+    <dgm:txEffectClrLst/>
+  </dgm:styleLbl>
+  <dgm:styleLbl name="bgImgPlace1">
+    <dgm:fillClrLst>
+      <a:schemeClr val="accent1">
+        <a:tint val="50000"/>
+      </a:schemeClr>
+      <a:schemeClr val="accent2">
+        <a:tint val="20000"/>
+      </a:schemeClr>
+    </dgm:fillClrLst>
+    <dgm:linClrLst meth="repeat">
+      <a:schemeClr val="lt1"/>
+    </dgm:linClrLst>
+    <dgm:effectClrLst/>
+    <dgm:txLinClrLst/>
+    <dgm:txFillClrLst meth="repeat">
+      <a:schemeClr val="lt1"/>
+    </dgm:txFillClrLst>
+    <dgm:txEffectClrLst/>
+  </dgm:styleLbl>
+  <dgm:styleLbl name="sibTrans2D1">
+    <dgm:fillClrLst meth="repeat">
+      <a:schemeClr val="accent2"/>
+      <a:schemeClr val="accent3"/>
+      <a:schemeClr val="accent4"/>
+      <a:schemeClr val="accent5"/>
+      <a:schemeClr val="accent6"/>
+    </dgm:fillClrLst>
+    <dgm:linClrLst meth="cycle">
+      <a:schemeClr val="lt1"/>
+    </dgm:linClrLst>
+    <dgm:effectClrLst/>
+    <dgm:txLinClrLst/>
+    <dgm:txFillClrLst/>
+    <dgm:txEffectClrLst/>
+  </dgm:styleLbl>
+  <dgm:styleLbl name="fgSibTrans2D1">
+    <dgm:fillClrLst meth="repeat">
+      <a:schemeClr val="accent2"/>
+      <a:schemeClr val="accent3"/>
+      <a:schemeClr val="accent4"/>
+      <a:schemeClr val="accent5"/>
+      <a:schemeClr val="accent6"/>
+    </dgm:fillClrLst>
+    <dgm:linClrLst meth="cycle">
+      <a:schemeClr val="lt1"/>
+    </dgm:linClrLst>
+    <dgm:effectClrLst/>
+    <dgm:txLinClrLst/>
+    <dgm:txFillClrLst meth="repeat">
+      <a:schemeClr val="lt1"/>
+    </dgm:txFillClrLst>
+    <dgm:txEffectClrLst/>
+  </dgm:styleLbl>
+  <dgm:styleLbl name="bgSibTrans2D1">
+    <dgm:fillClrLst meth="repeat">
+      <a:schemeClr val="accent2"/>
+      <a:schemeClr val="accent3"/>
+      <a:schemeClr val="accent4"/>
+      <a:schemeClr val="accent5"/>
+      <a:schemeClr val="accent6"/>
+    </dgm:fillClrLst>
+    <dgm:linClrLst meth="cycle">
+      <a:schemeClr val="lt1"/>
+    </dgm:linClrLst>
+    <dgm:effectClrLst/>
+    <dgm:txLinClrLst/>
+    <dgm:txFillClrLst meth="repeat">
+      <a:schemeClr val="lt1"/>
+    </dgm:txFillClrLst>
+    <dgm:txEffectClrLst/>
+  </dgm:styleLbl>
+  <dgm:styleLbl name="sibTrans1D1">
+    <dgm:fillClrLst meth="repeat">
+      <a:schemeClr val="accent2"/>
+      <a:schemeClr val="accent3"/>
+      <a:schemeClr val="accent4"/>
+      <a:schemeClr val="accent5"/>
+      <a:schemeClr val="accent6"/>
+    </dgm:fillClrLst>
+    <dgm:linClrLst meth="repeat">
+      <a:schemeClr val="accent2"/>
+      <a:schemeClr val="accent3"/>
+      <a:schemeClr val="accent4"/>
+      <a:schemeClr val="accent5"/>
+      <a:schemeClr val="accent6"/>
+    </dgm:linClrLst>
+    <dgm:effectClrLst/>
+    <dgm:txLinClrLst/>
+    <dgm:txFillClrLst meth="repeat">
+      <a:schemeClr val="tx1"/>
+    </dgm:txFillClrLst>
+    <dgm:txEffectClrLst/>
+  </dgm:styleLbl>
+  <dgm:styleLbl name="callout">
+    <dgm:fillClrLst meth="repeat">
+      <a:schemeClr val="accent2"/>
+    </dgm:fillClrLst>
+    <dgm:linClrLst meth="repeat">
+      <a:schemeClr val="accent2">
+        <a:tint val="50000"/>
+      </a:schemeClr>
+    </dgm:linClrLst>
+    <dgm:effectClrLst/>
+    <dgm:txLinClrLst/>
+    <dgm:txFillClrLst meth="repeat">
+      <a:schemeClr val="tx1"/>
+    </dgm:txFillClrLst>
+    <dgm:txEffectClrLst/>
+  </dgm:styleLbl>
+  <dgm:styleLbl name="asst0">
+    <dgm:fillClrLst meth="repeat">
+      <a:schemeClr val="accent1"/>
+    </dgm:fillClrLst>
+    <dgm:linClrLst meth="repeat">
+      <a:schemeClr val="lt1"/>
+    </dgm:linClrLst>
+    <dgm:effectClrLst/>
+    <dgm:txLinClrLst/>
+    <dgm:txFillClrLst/>
+    <dgm:txEffectClrLst/>
+  </dgm:styleLbl>
+  <dgm:styleLbl name="asst1">
+    <dgm:fillClrLst meth="repeat">
+      <a:schemeClr val="accent2"/>
+    </dgm:fillClrLst>
+    <dgm:linClrLst meth="repeat">
+      <a:schemeClr val="lt1"/>
+    </dgm:linClrLst>
+    <dgm:effectClrLst/>
+    <dgm:txLinClrLst/>
+    <dgm:txFillClrLst/>
+    <dgm:txEffectClrLst/>
+  </dgm:styleLbl>
+  <dgm:styleLbl name="asst2">
+    <dgm:fillClrLst>
+      <a:schemeClr val="accent3"/>
+    </dgm:fillClrLst>
+    <dgm:linClrLst meth="repeat">
+      <a:schemeClr val="lt1"/>
+    </dgm:linClrLst>
+    <dgm:effectClrLst/>
+    <dgm:txLinClrLst/>
+    <dgm:txFillClrLst/>
+    <dgm:txEffectClrLst/>
+  </dgm:styleLbl>
+  <dgm:styleLbl name="asst3">
+    <dgm:fillClrLst>
+      <a:schemeClr val="accent4"/>
+    </dgm:fillClrLst>
+    <dgm:linClrLst meth="repeat">
+      <a:schemeClr val="lt1"/>
+    </dgm:linClrLst>
+    <dgm:effectClrLst/>
+    <dgm:txLinClrLst/>
+    <dgm:txFillClrLst/>
+    <dgm:txEffectClrLst/>
+  </dgm:styleLbl>
+  <dgm:styleLbl name="asst4">
+    <dgm:fillClrLst>
+      <a:schemeClr val="accent5"/>
+    </dgm:fillClrLst>
+    <dgm:linClrLst meth="repeat">
+      <a:schemeClr val="lt1"/>
+    </dgm:linClrLst>
+    <dgm:effectClrLst/>
+    <dgm:txLinClrLst/>
+    <dgm:txFillClrLst/>
+    <dgm:txEffectClrLst/>
+  </dgm:styleLbl>
+  <dgm:styleLbl name="parChTrans2D1">
+    <dgm:fillClrLst meth="repeat">
+      <a:schemeClr val="accent2"/>
+    </dgm:fillClrLst>
+    <dgm:linClrLst meth="repeat">
+      <a:schemeClr val="lt1"/>
+    </dgm:linClrLst>
+    <dgm:effectClrLst/>
+    <dgm:txLinClrLst/>
+    <dgm:txFillClrLst meth="repeat">
+      <a:schemeClr val="lt1"/>
+    </dgm:txFillClrLst>
+    <dgm:txEffectClrLst/>
+  </dgm:styleLbl>
+  <dgm:styleLbl name="parChTrans2D2">
+    <dgm:fillClrLst meth="repeat">
+      <a:schemeClr val="accent3"/>
+    </dgm:fillClrLst>
+    <dgm:linClrLst meth="repeat">
+      <a:schemeClr val="lt1"/>
+    </dgm:linClrLst>
+    <dgm:effectClrLst/>
+    <dgm:txLinClrLst/>
+    <dgm:txFillClrLst/>
+    <dgm:txEffectClrLst/>
+  </dgm:styleLbl>
+  <dgm:styleLbl name="parChTrans2D3">
+    <dgm:fillClrLst meth="repeat">
+      <a:schemeClr val="accent4"/>
+    </dgm:fillClrLst>
+    <dgm:linClrLst meth="repeat">
+      <a:schemeClr val="lt1"/>
+    </dgm:linClrLst>
+    <dgm:effectClrLst/>
+    <dgm:txLinClrLst/>
+    <dgm:txFillClrLst/>
+    <dgm:txEffectClrLst/>
+  </dgm:styleLbl>
+  <dgm:styleLbl name="parChTrans2D4">
+    <dgm:fillClrLst meth="repeat">
+      <a:schemeClr val="accent5"/>
+    </dgm:fillClrLst>
+    <dgm:linClrLst meth="repeat">
+      <a:schemeClr val="lt1"/>
+    </dgm:linClrLst>
+    <dgm:effectClrLst/>
+    <dgm:txLinClrLst/>
+    <dgm:txFillClrLst meth="repeat">
+      <a:schemeClr val="lt1"/>
+    </dgm:txFillClrLst>
+    <dgm:txEffectClrLst/>
+  </dgm:styleLbl>
+  <dgm:styleLbl name="parChTrans1D1">
+    <dgm:fillClrLst meth="repeat">
+      <a:schemeClr val="accent2"/>
+    </dgm:fillClrLst>
+    <dgm:linClrLst meth="repeat">
+      <a:schemeClr val="accent1"/>
+    </dgm:linClrLst>
+    <dgm:effectClrLst/>
+    <dgm:txLinClrLst/>
+    <dgm:txFillClrLst meth="repeat">
+      <a:schemeClr val="tx1"/>
+    </dgm:txFillClrLst>
+    <dgm:txEffectClrLst/>
+  </dgm:styleLbl>
+  <dgm:styleLbl name="parChTrans1D2">
+    <dgm:fillClrLst meth="repeat">
+      <a:schemeClr val="accent3">
+        <a:tint val="90000"/>
+      </a:schemeClr>
+    </dgm:fillClrLst>
+    <dgm:linClrLst meth="repeat">
+      <a:schemeClr val="accent2"/>
+    </dgm:linClrLst>
+    <dgm:effectClrLst/>
+    <dgm:txLinClrLst/>
+    <dgm:txFillClrLst meth="repeat">
+      <a:schemeClr val="tx1"/>
+    </dgm:txFillClrLst>
+    <dgm:txEffectClrLst/>
+  </dgm:styleLbl>
+  <dgm:styleLbl name="parChTrans1D3">
+    <dgm:fillClrLst meth="repeat">
+      <a:schemeClr val="accent4">
+        <a:tint val="70000"/>
+      </a:schemeClr>
+    </dgm:fillClrLst>
+    <dgm:linClrLst meth="repeat">
+      <a:schemeClr val="accent3"/>
+    </dgm:linClrLst>
+    <dgm:effectClrLst/>
+    <dgm:txLinClrLst/>
+    <dgm:txFillClrLst meth="repeat">
+      <a:schemeClr val="tx1"/>
+    </dgm:txFillClrLst>
+    <dgm:txEffectClrLst/>
+  </dgm:styleLbl>
+  <dgm:styleLbl name="parChTrans1D4">
+    <dgm:fillClrLst meth="repeat">
+      <a:schemeClr val="accent5">
+        <a:tint val="50000"/>
+      </a:schemeClr>
+    </dgm:fillClrLst>
+    <dgm:linClrLst meth="repeat">
+      <a:schemeClr val="accent4"/>
+    </dgm:linClrLst>
+    <dgm:effectClrLst/>
+    <dgm:txLinClrLst/>
+    <dgm:txFillClrLst meth="repeat">
+      <a:schemeClr val="tx1"/>
+    </dgm:txFillClrLst>
+    <dgm:txEffectClrLst/>
+  </dgm:styleLbl>
+  <dgm:styleLbl name="fgAcc1">
+    <dgm:fillClrLst meth="repeat">
+      <a:schemeClr val="lt1">
+        <a:alpha val="90000"/>
+      </a:schemeClr>
+    </dgm:fillClrLst>
+    <dgm:linClrLst meth="repeat">
+      <a:schemeClr val="accent2"/>
+      <a:schemeClr val="accent3"/>
+      <a:schemeClr val="accent4"/>
+      <a:schemeClr val="accent5"/>
+      <a:schemeClr val="accent6"/>
+    </dgm:linClrLst>
+    <dgm:effectClrLst/>
+    <dgm:txLinClrLst/>
+    <dgm:txFillClrLst meth="repeat">
+      <a:schemeClr val="dk1"/>
+    </dgm:txFillClrLst>
+    <dgm:txEffectClrLst/>
+  </dgm:styleLbl>
+  <dgm:styleLbl name="conFgAcc1">
+    <dgm:fillClrLst meth="repeat">
+      <a:schemeClr val="lt1">
+        <a:alpha val="90000"/>
+      </a:schemeClr>
+    </dgm:fillClrLst>
+    <dgm:linClrLst meth="repeat">
+      <a:schemeClr val="accent2"/>
+      <a:schemeClr val="accent3"/>
+      <a:schemeClr val="accent4"/>
+      <a:schemeClr val="accent5"/>
+      <a:schemeClr val="accent6"/>
+    </dgm:linClrLst>
+    <dgm:effectClrLst/>
+    <dgm:txLinClrLst/>
+    <dgm:txFillClrLst meth="repeat">
+      <a:schemeClr val="dk1"/>
+    </dgm:txFillClrLst>
+    <dgm:txEffectClrLst/>
+  </dgm:styleLbl>
+  <dgm:styleLbl name="alignAcc1">
+    <dgm:fillClrLst meth="repeat">
+      <a:schemeClr val="lt1">
+        <a:alpha val="90000"/>
+      </a:schemeClr>
+    </dgm:fillClrLst>
+    <dgm:linClrLst meth="repeat">
+      <a:schemeClr val="accent2"/>
+      <a:schemeClr val="accent3"/>
+      <a:schemeClr val="accent4"/>
+      <a:schemeClr val="accent5"/>
+      <a:schemeClr val="accent6"/>
+    </dgm:linClrLst>
+    <dgm:effectClrLst/>
+    <dgm:txLinClrLst/>
+    <dgm:txFillClrLst meth="repeat">
+      <a:schemeClr val="dk1"/>
+    </dgm:txFillClrLst>
+    <dgm:txEffectClrLst/>
+  </dgm:styleLbl>
+  <dgm:styleLbl name="trAlignAcc1">
+    <dgm:fillClrLst meth="repeat">
+      <a:schemeClr val="lt1">
+        <a:alpha val="40000"/>
+      </a:schemeClr>
+    </dgm:fillClrLst>
+    <dgm:linClrLst meth="repeat">
+      <a:schemeClr val="accent1"/>
+    </dgm:linClrLst>
+    <dgm:effectClrLst/>
+    <dgm:txLinClrLst/>
+    <dgm:txFillClrLst meth="repeat">
+      <a:schemeClr val="dk1"/>
+    </dgm:txFillClrLst>
+    <dgm:txEffectClrLst/>
+  </dgm:styleLbl>
+  <dgm:styleLbl name="bgAcc1">
+    <dgm:fillClrLst meth="repeat">
+      <a:schemeClr val="lt1">
+        <a:alpha val="90000"/>
+      </a:schemeClr>
+    </dgm:fillClrLst>
+    <dgm:linClrLst meth="repeat">
+      <a:schemeClr val="accent2"/>
+      <a:schemeClr val="accent3"/>
+      <a:schemeClr val="accent4"/>
+      <a:schemeClr val="accent5"/>
+      <a:schemeClr val="accent6"/>
+    </dgm:linClrLst>
+    <dgm:effectClrLst/>
+    <dgm:txLinClrLst/>
+    <dgm:txFillClrLst meth="repeat">
+      <a:schemeClr val="dk1"/>
+    </dgm:txFillClrLst>
+    <dgm:txEffectClrLst/>
+  </dgm:styleLbl>
+  <dgm:styleLbl name="solidFgAcc1">
+    <dgm:fillClrLst meth="repeat">
+      <a:schemeClr val="lt1"/>
+    </dgm:fillClrLst>
+    <dgm:linClrLst meth="repeat">
+      <a:schemeClr val="accent2"/>
+      <a:schemeClr val="accent3"/>
+      <a:schemeClr val="accent4"/>
+      <a:schemeClr val="accent5"/>
+      <a:schemeClr val="accent6"/>
+    </dgm:linClrLst>
+    <dgm:effectClrLst/>
+    <dgm:txLinClrLst/>
+    <dgm:txFillClrLst meth="repeat">
+      <a:schemeClr val="dk1"/>
+    </dgm:txFillClrLst>
+    <dgm:txEffectClrLst/>
+  </dgm:styleLbl>
+  <dgm:styleLbl name="solidAlignAcc1">
+    <dgm:fillClrLst meth="repeat">
+      <a:schemeClr val="lt1"/>
+    </dgm:fillClrLst>
+    <dgm:linClrLst meth="repeat">
+      <a:schemeClr val="accent2"/>
+      <a:schemeClr val="accent3"/>
+      <a:schemeClr val="accent4"/>
+      <a:schemeClr val="accent5"/>
+      <a:schemeClr val="accent6"/>
+    </dgm:linClrLst>
+    <dgm:effectClrLst/>
+    <dgm:txLinClrLst/>
+    <dgm:txFillClrLst meth="repeat">
+      <a:schemeClr val="dk1"/>
+    </dgm:txFillClrLst>
+    <dgm:txEffectClrLst/>
+  </dgm:styleLbl>
+  <dgm:styleLbl name="solidBgAcc1">
+    <dgm:fillClrLst meth="repeat">
+      <a:schemeClr val="lt1"/>
+    </dgm:fillClrLst>
+    <dgm:linClrLst meth="repeat">
+      <a:schemeClr val="accent2"/>
+      <a:schemeClr val="accent3"/>
+      <a:schemeClr val="accent4"/>
+      <a:schemeClr val="accent5"/>
+      <a:schemeClr val="accent6"/>
+    </dgm:linClrLst>
+    <dgm:effectClrLst/>
+    <dgm:txLinClrLst/>
+    <dgm:txFillClrLst meth="repeat">
+      <a:schemeClr val="dk1"/>
+    </dgm:txFillClrLst>
+    <dgm:txEffectClrLst/>
+  </dgm:styleLbl>
+  <dgm:styleLbl name="fgAccFollowNode1">
+    <dgm:fillClrLst meth="repeat">
+      <a:schemeClr val="accent2">
+        <a:tint val="40000"/>
+        <a:alpha val="90000"/>
+      </a:schemeClr>
+      <a:schemeClr val="accent3">
+        <a:tint val="40000"/>
+        <a:alpha val="90000"/>
+      </a:schemeClr>
+      <a:schemeClr val="accent4">
+        <a:tint val="40000"/>
+        <a:alpha val="90000"/>
+      </a:schemeClr>
+      <a:schemeClr val="accent5">
+        <a:tint val="40000"/>
+        <a:alpha val="90000"/>
+      </a:schemeClr>
+      <a:schemeClr val="accent6">
+        <a:tint val="40000"/>
+        <a:alpha val="90000"/>
+      </a:schemeClr>
+    </dgm:fillClrLst>
+    <dgm:linClrLst meth="repeat">
+      <a:schemeClr val="accent2">
+        <a:tint val="40000"/>
+        <a:alpha val="90000"/>
+      </a:schemeClr>
+      <a:schemeClr val="accent3">
+        <a:tint val="40000"/>
+        <a:alpha val="90000"/>
+      </a:schemeClr>
+      <a:schemeClr val="accent4">
+        <a:tint val="40000"/>
+        <a:alpha val="90000"/>
+      </a:schemeClr>
+      <a:schemeClr val="accent5">
+        <a:tint val="40000"/>
+        <a:alpha val="90000"/>
+      </a:schemeClr>
+      <a:schemeClr val="accent6">
+        <a:tint val="40000"/>
+        <a:alpha val="90000"/>
+      </a:schemeClr>
+    </dgm:linClrLst>
+    <dgm:effectClrLst/>
+    <dgm:txLinClrLst/>
+    <dgm:txFillClrLst meth="repeat">
+      <a:schemeClr val="dk1"/>
+    </dgm:txFillClrLst>
+    <dgm:txEffectClrLst/>
+  </dgm:styleLbl>
+  <dgm:styleLbl name="alignAccFollowNode1">
+    <dgm:fillClrLst meth="repeat">
+      <a:schemeClr val="accent2">
+        <a:tint val="40000"/>
+        <a:alpha val="90000"/>
+      </a:schemeClr>
+      <a:schemeClr val="accent3">
+        <a:tint val="40000"/>
+        <a:alpha val="90000"/>
+      </a:schemeClr>
+      <a:schemeClr val="accent4">
+        <a:tint val="40000"/>
+        <a:alpha val="90000"/>
+      </a:schemeClr>
+      <a:schemeClr val="accent5">
+        <a:tint val="40000"/>
+        <a:alpha val="90000"/>
+      </a:schemeClr>
+      <a:schemeClr val="accent6">
+        <a:tint val="40000"/>
+        <a:alpha val="90000"/>
+      </a:schemeClr>
+    </dgm:fillClrLst>
+    <dgm:linClrLst meth="repeat">
+      <a:schemeClr val="accent2">
+        <a:tint val="40000"/>
+        <a:alpha val="90000"/>
+      </a:schemeClr>
+      <a:schemeClr val="accent3">
+        <a:tint val="40000"/>
+        <a:alpha val="90000"/>
+      </a:schemeClr>
+      <a:schemeClr val="accent4">
+        <a:tint val="40000"/>
+        <a:alpha val="90000"/>
+      </a:schemeClr>
+      <a:schemeClr val="accent5">
+        <a:tint val="40000"/>
+        <a:alpha val="90000"/>
+      </a:schemeClr>
+      <a:schemeClr val="accent6">
+        <a:tint val="40000"/>
+        <a:alpha val="90000"/>
+      </a:schemeClr>
+    </dgm:linClrLst>
+    <dgm:effectClrLst/>
+    <dgm:txLinClrLst/>
+    <dgm:txFillClrLst meth="repeat">
+      <a:schemeClr val="dk1"/>
+    </dgm:txFillClrLst>
+    <dgm:txEffectClrLst/>
+  </dgm:styleLbl>
+  <dgm:styleLbl name="bgAccFollowNode1">
+    <dgm:fillClrLst meth="repeat">
+      <a:schemeClr val="accent2">
+        <a:tint val="40000"/>
+        <a:alpha val="90000"/>
+      </a:schemeClr>
+      <a:schemeClr val="accent3">
+        <a:tint val="40000"/>
+        <a:alpha val="90000"/>
+      </a:schemeClr>
+      <a:schemeClr val="accent4">
+        <a:tint val="40000"/>
+        <a:alpha val="90000"/>
+      </a:schemeClr>
+      <a:schemeClr val="accent5">
+        <a:tint val="40000"/>
+        <a:alpha val="90000"/>
+      </a:schemeClr>
+      <a:schemeClr val="accent6">
+        <a:tint val="40000"/>
+        <a:alpha val="90000"/>
+      </a:schemeClr>
+    </dgm:fillClrLst>
+    <dgm:linClrLst meth="repeat">
+      <a:schemeClr val="accent2">
+        <a:tint val="40000"/>
+        <a:alpha val="90000"/>
+      </a:schemeClr>
+      <a:schemeClr val="accent3">
+        <a:tint val="40000"/>
+        <a:alpha val="90000"/>
+      </a:schemeClr>
+      <a:schemeClr val="accent4">
+        <a:tint val="40000"/>
+        <a:alpha val="90000"/>
+      </a:schemeClr>
+      <a:schemeClr val="accent5">
+        <a:tint val="40000"/>
+        <a:alpha val="90000"/>
+      </a:schemeClr>
+      <a:schemeClr val="accent6">
+        <a:tint val="40000"/>
+        <a:alpha val="90000"/>
+      </a:schemeClr>
+    </dgm:linClrLst>
+    <dgm:effectClrLst/>
+    <dgm:txLinClrLst/>
+    <dgm:txFillClrLst meth="repeat">
+      <a:schemeClr val="dk1"/>
+    </dgm:txFillClrLst>
+    <dgm:txEffectClrLst/>
+  </dgm:styleLbl>
+  <dgm:styleLbl name="fgAcc0">
+    <dgm:fillClrLst meth="repeat">
+      <a:schemeClr val="lt1">
+        <a:alpha val="90000"/>
+      </a:schemeClr>
+    </dgm:fillClrLst>
+    <dgm:linClrLst>
+      <a:schemeClr val="accent1"/>
+    </dgm:linClrLst>
+    <dgm:effectClrLst/>
+    <dgm:txLinClrLst/>
+    <dgm:txFillClrLst meth="repeat">
+      <a:schemeClr val="dk1"/>
+    </dgm:txFillClrLst>
+    <dgm:txEffectClrLst/>
+  </dgm:styleLbl>
+  <dgm:styleLbl name="fgAcc2">
+    <dgm:fillClrLst meth="repeat">
+      <a:schemeClr val="lt1">
+        <a:alpha val="90000"/>
+      </a:schemeClr>
+    </dgm:fillClrLst>
+    <dgm:linClrLst>
+      <a:schemeClr val="accent2"/>
+    </dgm:linClrLst>
+    <dgm:effectClrLst/>
+    <dgm:txLinClrLst/>
+    <dgm:txFillClrLst meth="repeat">
+      <a:schemeClr val="dk1"/>
+    </dgm:txFillClrLst>
+    <dgm:txEffectClrLst/>
+  </dgm:styleLbl>
+  <dgm:styleLbl name="fgAcc3">
+    <dgm:fillClrLst meth="repeat">
+      <a:schemeClr val="lt1">
+        <a:alpha val="90000"/>
+      </a:schemeClr>
+    </dgm:fillClrLst>
+    <dgm:linClrLst>
+      <a:schemeClr val="accent3"/>
+    </dgm:linClrLst>
+    <dgm:effectClrLst/>
+    <dgm:txLinClrLst/>
+    <dgm:txFillClrLst meth="repeat">
+      <a:schemeClr val="dk1"/>
+    </dgm:txFillClrLst>
+    <dgm:txEffectClrLst/>
+  </dgm:styleLbl>
+  <dgm:styleLbl name="fgAcc4">
+    <dgm:fillClrLst meth="repeat">
+      <a:schemeClr val="lt1">
+        <a:alpha val="90000"/>
+      </a:schemeClr>
+    </dgm:fillClrLst>
+    <dgm:linClrLst>
+      <a:schemeClr val="accent4"/>
+    </dgm:linClrLst>
+    <dgm:effectClrLst/>
+    <dgm:txLinClrLst/>
+    <dgm:txFillClrLst meth="repeat">
+      <a:schemeClr val="dk1"/>
+    </dgm:txFillClrLst>
+    <dgm:txEffectClrLst/>
+  </dgm:styleLbl>
+  <dgm:styleLbl name="bgShp">
+    <dgm:fillClrLst meth="repeat">
+      <a:schemeClr val="accent2"/>
+      <a:schemeClr val="accent3"/>
+      <a:schemeClr val="accent4"/>
+      <a:schemeClr val="accent5"/>
+      <a:schemeClr val="accent6"/>
+    </dgm:fillClrLst>
+    <dgm:linClrLst meth="repeat">
+      <a:schemeClr val="lt1">
+        <a:alpha val="0"/>
+      </a:schemeClr>
+    </dgm:linClrLst>
+    <dgm:effectClrLst/>
+    <dgm:txLinClrLst/>
+    <dgm:txFillClrLst/>
+    <dgm:txEffectClrLst/>
+  </dgm:styleLbl>
+  <dgm:styleLbl name="dkBgShp">
+    <dgm:fillClrLst meth="repeat">
+      <a:schemeClr val="accent2">
+        <a:shade val="90000"/>
+      </a:schemeClr>
+    </dgm:fillClrLst>
+    <dgm:linClrLst meth="repeat">
+      <a:schemeClr val="dk1"/>
+    </dgm:linClrLst>
+    <dgm:effectClrLst/>
+    <dgm:txLinClrLst/>
+    <dgm:txFillClrLst meth="repeat">
+      <a:schemeClr val="lt1"/>
+    </dgm:txFillClrLst>
+    <dgm:txEffectClrLst/>
+  </dgm:styleLbl>
+  <dgm:styleLbl name="trBgShp">
+    <dgm:fillClrLst meth="repeat">
+      <a:schemeClr val="accent1">
+        <a:tint val="50000"/>
+        <a:alpha val="40000"/>
+      </a:schemeClr>
+    </dgm:fillClrLst>
+    <dgm:linClrLst meth="repeat">
+      <a:schemeClr val="accent2"/>
+    </dgm:linClrLst>
+    <dgm:effectClrLst/>
+    <dgm:txLinClrLst/>
+    <dgm:txFillClrLst meth="repeat">
+      <a:schemeClr val="lt1"/>
+    </dgm:txFillClrLst>
+    <dgm:txEffectClrLst/>
+  </dgm:styleLbl>
+  <dgm:styleLbl name="fgShp">
+    <dgm:fillClrLst meth="repeat">
+      <a:schemeClr val="accent2">
+        <a:tint val="40000"/>
+      </a:schemeClr>
+    </dgm:fillClrLst>
+    <dgm:linClrLst meth="repeat">
+      <a:schemeClr val="lt1"/>
+    </dgm:linClrLst>
+    <dgm:effectClrLst/>
+    <dgm:txLinClrLst/>
+    <dgm:txFillClrLst meth="repeat">
+      <a:schemeClr val="dk1"/>
+    </dgm:txFillClrLst>
+    <dgm:txEffectClrLst/>
+  </dgm:styleLbl>
+  <dgm:styleLbl name="revTx">
+    <dgm:fillClrLst meth="repeat">
+      <a:schemeClr val="lt1">
+        <a:alpha val="0"/>
+      </a:schemeClr>
+    </dgm:fillClrLst>
+    <dgm:linClrLst meth="repeat">
+      <a:schemeClr val="dk1">
+        <a:alpha val="0"/>
+      </a:schemeClr>
+    </dgm:linClrLst>
+    <dgm:effectClrLst/>
+    <dgm:txLinClrLst/>
+    <dgm:txFillClrLst meth="repeat">
+      <a:schemeClr val="tx1"/>
+    </dgm:txFillClrLst>
+    <dgm:txEffectClrLst/>
+  </dgm:styleLbl>
+</dgm:colorsDef>
+</file>
+
+<file path=ppt/diagrams/colors3.xml><?xml version="1.0" encoding="utf-8"?>
 <dgm:colorsDef xmlns:dgm="http://schemas.openxmlformats.org/drawingml/2006/diagram" xmlns:a="http://schemas.openxmlformats.org/drawingml/2006/main" uniqueId="urn:microsoft.com/office/officeart/2018/5/colors/Iconchunking_neutralbg_colorful1">
   <dgm:title val=""/>
   <dgm:desc val=""/>
@@ -2272,6 +3193,368 @@
 </file>
 
 <file path=ppt/diagrams/data2.xml><?xml version="1.0" encoding="utf-8"?>
+<dgm:dataModel xmlns:dgm="http://schemas.openxmlformats.org/drawingml/2006/diagram" xmlns:a="http://schemas.openxmlformats.org/drawingml/2006/main">
+  <dgm:ptLst>
+    <dgm:pt modelId="{4F1423A0-3833-4D99-9159-F36241E315B1}" type="doc">
+      <dgm:prSet loTypeId="urn:microsoft.com/office/officeart/2018/5/layout/IconLeafLabelList" loCatId="icon" qsTypeId="urn:microsoft.com/office/officeart/2005/8/quickstyle/simple1" qsCatId="simple" csTypeId="urn:microsoft.com/office/officeart/2018/5/colors/Iconchunking_neutralicon_colorful1" csCatId="colorful" phldr="1"/>
+      <dgm:spPr/>
+      <dgm:t>
+        <a:bodyPr/>
+        <a:lstStyle/>
+        <a:p>
+          <a:endParaRPr lang="en-US"/>
+        </a:p>
+      </dgm:t>
+    </dgm:pt>
+    <dgm:pt modelId="{83A9E553-14E6-4CEB-B27A-1F8515A09E0A}">
+      <dgm:prSet/>
+      <dgm:spPr/>
+      <dgm:t>
+        <a:bodyPr/>
+        <a:lstStyle/>
+        <a:p>
+          <a:pPr>
+            <a:lnSpc>
+              <a:spcPct val="100000"/>
+            </a:lnSpc>
+            <a:defRPr cap="all"/>
+          </a:pPr>
+          <a:r>
+            <a:rPr lang="en-US" dirty="0"/>
+            <a:t>PNN was tested for accuracy and RMSE against CART and Random Forest Algorithms</a:t>
+          </a:r>
+        </a:p>
+      </dgm:t>
+    </dgm:pt>
+    <dgm:pt modelId="{4B54F7CF-4695-4DEC-AA9A-6C9D6287BB79}" type="parTrans" cxnId="{F0BB89D7-3566-4716-8E17-C677F76A39C4}">
+      <dgm:prSet/>
+      <dgm:spPr/>
+      <dgm:t>
+        <a:bodyPr/>
+        <a:lstStyle/>
+        <a:p>
+          <a:endParaRPr lang="en-US"/>
+        </a:p>
+      </dgm:t>
+    </dgm:pt>
+    <dgm:pt modelId="{E86DD684-70CC-4B19-BE34-13368EE4291B}" type="sibTrans" cxnId="{F0BB89D7-3566-4716-8E17-C677F76A39C4}">
+      <dgm:prSet/>
+      <dgm:spPr/>
+      <dgm:t>
+        <a:bodyPr/>
+        <a:lstStyle/>
+        <a:p>
+          <a:endParaRPr lang="en-US"/>
+        </a:p>
+      </dgm:t>
+    </dgm:pt>
+    <dgm:pt modelId="{3FF6CBC9-960C-4221-8F0C-1AA03407D1BF}">
+      <dgm:prSet/>
+      <dgm:spPr/>
+      <dgm:t>
+        <a:bodyPr/>
+        <a:lstStyle/>
+        <a:p>
+          <a:pPr>
+            <a:lnSpc>
+              <a:spcPct val="100000"/>
+            </a:lnSpc>
+            <a:defRPr cap="all"/>
+          </a:pPr>
+          <a:r>
+            <a:rPr lang="en-US"/>
+            <a:t>2 housing datasets were used with 21k and 500k records and 13 &amp; 15 predictors</a:t>
+          </a:r>
+        </a:p>
+      </dgm:t>
+    </dgm:pt>
+    <dgm:pt modelId="{5A8436B2-995A-433D-9652-8C947CA1DD8A}" type="parTrans" cxnId="{FEECF0CA-286F-4926-BC60-2CDB381197F4}">
+      <dgm:prSet/>
+      <dgm:spPr/>
+      <dgm:t>
+        <a:bodyPr/>
+        <a:lstStyle/>
+        <a:p>
+          <a:endParaRPr lang="en-US"/>
+        </a:p>
+      </dgm:t>
+    </dgm:pt>
+    <dgm:pt modelId="{48CD6DBF-80F0-491C-A6DA-020CF871F647}" type="sibTrans" cxnId="{FEECF0CA-286F-4926-BC60-2CDB381197F4}">
+      <dgm:prSet/>
+      <dgm:spPr/>
+      <dgm:t>
+        <a:bodyPr/>
+        <a:lstStyle/>
+        <a:p>
+          <a:endParaRPr lang="en-US"/>
+        </a:p>
+      </dgm:t>
+    </dgm:pt>
+    <dgm:pt modelId="{18055893-4840-4541-887A-F7E3F1328C9E}">
+      <dgm:prSet/>
+      <dgm:spPr/>
+      <dgm:t>
+        <a:bodyPr/>
+        <a:lstStyle/>
+        <a:p>
+          <a:pPr>
+            <a:lnSpc>
+              <a:spcPct val="100000"/>
+            </a:lnSpc>
+            <a:defRPr cap="all"/>
+          </a:pPr>
+          <a:r>
+            <a:rPr lang="en-US"/>
+            <a:t>Following results were obtained</a:t>
+          </a:r>
+        </a:p>
+      </dgm:t>
+    </dgm:pt>
+    <dgm:pt modelId="{354B09CA-9E0F-469B-A32D-150C2E970763}" type="parTrans" cxnId="{6E02D3E1-BBC8-4F43-B36F-90197C2B6556}">
+      <dgm:prSet/>
+      <dgm:spPr/>
+      <dgm:t>
+        <a:bodyPr/>
+        <a:lstStyle/>
+        <a:p>
+          <a:endParaRPr lang="en-US"/>
+        </a:p>
+      </dgm:t>
+    </dgm:pt>
+    <dgm:pt modelId="{6C6FD4D0-869C-4C3B-A74D-B2A52134D6D8}" type="sibTrans" cxnId="{6E02D3E1-BBC8-4F43-B36F-90197C2B6556}">
+      <dgm:prSet/>
+      <dgm:spPr/>
+      <dgm:t>
+        <a:bodyPr/>
+        <a:lstStyle/>
+        <a:p>
+          <a:endParaRPr lang="en-US"/>
+        </a:p>
+      </dgm:t>
+    </dgm:pt>
+    <dgm:pt modelId="{F7261714-1394-44A6-BA2E-FEB82E9FF5B9}" type="pres">
+      <dgm:prSet presAssocID="{4F1423A0-3833-4D99-9159-F36241E315B1}" presName="root" presStyleCnt="0">
+        <dgm:presLayoutVars>
+          <dgm:dir/>
+          <dgm:resizeHandles val="exact"/>
+        </dgm:presLayoutVars>
+      </dgm:prSet>
+      <dgm:spPr/>
+    </dgm:pt>
+    <dgm:pt modelId="{A2C196B9-C7FE-432D-BBC3-3DF123A25911}" type="pres">
+      <dgm:prSet presAssocID="{83A9E553-14E6-4CEB-B27A-1F8515A09E0A}" presName="compNode" presStyleCnt="0"/>
+      <dgm:spPr/>
+    </dgm:pt>
+    <dgm:pt modelId="{E5166D44-C2B8-4B63-AD87-07B5EBF8784A}" type="pres">
+      <dgm:prSet presAssocID="{83A9E553-14E6-4CEB-B27A-1F8515A09E0A}" presName="iconBgRect" presStyleLbl="bgShp" presStyleIdx="0" presStyleCnt="3"/>
+      <dgm:spPr>
+        <a:prstGeom prst="round2DiagRect">
+          <a:avLst>
+            <a:gd name="adj1" fmla="val 29727"/>
+            <a:gd name="adj2" fmla="val 0"/>
+          </a:avLst>
+        </a:prstGeom>
+      </dgm:spPr>
+    </dgm:pt>
+    <dgm:pt modelId="{D19AC4C6-4B3F-45C7-8D08-6430A1C42235}" type="pres">
+      <dgm:prSet presAssocID="{83A9E553-14E6-4CEB-B27A-1F8515A09E0A}" presName="iconRect" presStyleLbl="node1" presStyleIdx="0" presStyleCnt="3"/>
+      <dgm:spPr>
+        <a:blipFill>
+          <a:blip xmlns:r="http://schemas.openxmlformats.org/officeDocument/2006/relationships" r:embed="rId1">
+            <a:extLst>
+              <a:ext uri="{28A0092B-C50C-407E-A947-70E740481C1C}">
+                <a14:useLocalDpi xmlns:a14="http://schemas.microsoft.com/office/drawing/2010/main" val="0"/>
+              </a:ext>
+              <a:ext uri="{96DAC541-7B7A-43D3-8B79-37D633B846F1}">
+                <asvg:svgBlip xmlns:asvg="http://schemas.microsoft.com/office/drawing/2016/SVG/main" r:embed="rId2"/>
+              </a:ext>
+            </a:extLst>
+          </a:blip>
+          <a:stretch>
+            <a:fillRect/>
+          </a:stretch>
+        </a:blipFill>
+        <a:ln>
+          <a:noFill/>
+        </a:ln>
+      </dgm:spPr>
+      <dgm:extLst>
+        <a:ext uri="{E40237B7-FDA0-4F09-8148-C483321AD2D9}">
+          <dgm14:cNvPr xmlns:dgm14="http://schemas.microsoft.com/office/drawing/2010/diagram" id="0" name="" descr="Caterpillar"/>
+        </a:ext>
+      </dgm:extLst>
+    </dgm:pt>
+    <dgm:pt modelId="{CBD1497B-B7C6-4C72-8DF3-B79691F4DECD}" type="pres">
+      <dgm:prSet presAssocID="{83A9E553-14E6-4CEB-B27A-1F8515A09E0A}" presName="spaceRect" presStyleCnt="0"/>
+      <dgm:spPr/>
+    </dgm:pt>
+    <dgm:pt modelId="{B4EDE119-3FFC-48F6-8D23-F1547773ABDE}" type="pres">
+      <dgm:prSet presAssocID="{83A9E553-14E6-4CEB-B27A-1F8515A09E0A}" presName="textRect" presStyleLbl="revTx" presStyleIdx="0" presStyleCnt="3">
+        <dgm:presLayoutVars>
+          <dgm:chMax val="1"/>
+          <dgm:chPref val="1"/>
+        </dgm:presLayoutVars>
+      </dgm:prSet>
+      <dgm:spPr/>
+    </dgm:pt>
+    <dgm:pt modelId="{7E22117D-8BEA-4EC3-ABA9-9E854529FA2D}" type="pres">
+      <dgm:prSet presAssocID="{E86DD684-70CC-4B19-BE34-13368EE4291B}" presName="sibTrans" presStyleCnt="0"/>
+      <dgm:spPr/>
+    </dgm:pt>
+    <dgm:pt modelId="{90787CD8-C098-4C06-9170-7DA2412FE745}" type="pres">
+      <dgm:prSet presAssocID="{3FF6CBC9-960C-4221-8F0C-1AA03407D1BF}" presName="compNode" presStyleCnt="0"/>
+      <dgm:spPr/>
+    </dgm:pt>
+    <dgm:pt modelId="{D526E3FF-5647-4E14-8CA1-EB424E470EC6}" type="pres">
+      <dgm:prSet presAssocID="{3FF6CBC9-960C-4221-8F0C-1AA03407D1BF}" presName="iconBgRect" presStyleLbl="bgShp" presStyleIdx="1" presStyleCnt="3"/>
+      <dgm:spPr>
+        <a:prstGeom prst="round2DiagRect">
+          <a:avLst>
+            <a:gd name="adj1" fmla="val 29727"/>
+            <a:gd name="adj2" fmla="val 0"/>
+          </a:avLst>
+        </a:prstGeom>
+      </dgm:spPr>
+    </dgm:pt>
+    <dgm:pt modelId="{E4A8415D-E4D2-482D-945C-205E35C44838}" type="pres">
+      <dgm:prSet presAssocID="{3FF6CBC9-960C-4221-8F0C-1AA03407D1BF}" presName="iconRect" presStyleLbl="node1" presStyleIdx="1" presStyleCnt="3"/>
+      <dgm:spPr>
+        <a:blipFill>
+          <a:blip xmlns:r="http://schemas.openxmlformats.org/officeDocument/2006/relationships" r:embed="rId3">
+            <a:extLst>
+              <a:ext uri="{28A0092B-C50C-407E-A947-70E740481C1C}">
+                <a14:useLocalDpi xmlns:a14="http://schemas.microsoft.com/office/drawing/2010/main" val="0"/>
+              </a:ext>
+              <a:ext uri="{96DAC541-7B7A-43D3-8B79-37D633B846F1}">
+                <asvg:svgBlip xmlns:asvg="http://schemas.microsoft.com/office/drawing/2016/SVG/main" r:embed="rId4"/>
+              </a:ext>
+            </a:extLst>
+          </a:blip>
+          <a:stretch>
+            <a:fillRect/>
+          </a:stretch>
+        </a:blipFill>
+        <a:ln>
+          <a:noFill/>
+        </a:ln>
+      </dgm:spPr>
+      <dgm:extLst>
+        <a:ext uri="{E40237B7-FDA0-4F09-8148-C483321AD2D9}">
+          <dgm14:cNvPr xmlns:dgm14="http://schemas.microsoft.com/office/drawing/2010/diagram" id="0" name="" descr="Home"/>
+        </a:ext>
+      </dgm:extLst>
+    </dgm:pt>
+    <dgm:pt modelId="{F4DD8D1B-3E15-4444-A511-AEDB52CB6E17}" type="pres">
+      <dgm:prSet presAssocID="{3FF6CBC9-960C-4221-8F0C-1AA03407D1BF}" presName="spaceRect" presStyleCnt="0"/>
+      <dgm:spPr/>
+    </dgm:pt>
+    <dgm:pt modelId="{48F15220-BFCA-4109-8BB9-6BB80C952900}" type="pres">
+      <dgm:prSet presAssocID="{3FF6CBC9-960C-4221-8F0C-1AA03407D1BF}" presName="textRect" presStyleLbl="revTx" presStyleIdx="1" presStyleCnt="3">
+        <dgm:presLayoutVars>
+          <dgm:chMax val="1"/>
+          <dgm:chPref val="1"/>
+        </dgm:presLayoutVars>
+      </dgm:prSet>
+      <dgm:spPr/>
+    </dgm:pt>
+    <dgm:pt modelId="{F186D5AE-30EB-4C86-858D-22D3ECD4E3D7}" type="pres">
+      <dgm:prSet presAssocID="{48CD6DBF-80F0-491C-A6DA-020CF871F647}" presName="sibTrans" presStyleCnt="0"/>
+      <dgm:spPr/>
+    </dgm:pt>
+    <dgm:pt modelId="{85EBABB0-5193-48B9-9417-80C086D247C4}" type="pres">
+      <dgm:prSet presAssocID="{18055893-4840-4541-887A-F7E3F1328C9E}" presName="compNode" presStyleCnt="0"/>
+      <dgm:spPr/>
+    </dgm:pt>
+    <dgm:pt modelId="{A570C509-E2C1-4384-A4F5-A867C5744B31}" type="pres">
+      <dgm:prSet presAssocID="{18055893-4840-4541-887A-F7E3F1328C9E}" presName="iconBgRect" presStyleLbl="bgShp" presStyleIdx="2" presStyleCnt="3"/>
+      <dgm:spPr>
+        <a:prstGeom prst="round2DiagRect">
+          <a:avLst>
+            <a:gd name="adj1" fmla="val 29727"/>
+            <a:gd name="adj2" fmla="val 0"/>
+          </a:avLst>
+        </a:prstGeom>
+      </dgm:spPr>
+    </dgm:pt>
+    <dgm:pt modelId="{A42DC128-BD31-4284-9959-4E69D7ED1842}" type="pres">
+      <dgm:prSet presAssocID="{18055893-4840-4541-887A-F7E3F1328C9E}" presName="iconRect" presStyleLbl="node1" presStyleIdx="2" presStyleCnt="3"/>
+      <dgm:spPr>
+        <a:blipFill>
+          <a:blip xmlns:r="http://schemas.openxmlformats.org/officeDocument/2006/relationships" r:embed="rId5">
+            <a:extLst>
+              <a:ext uri="{28A0092B-C50C-407E-A947-70E740481C1C}">
+                <a14:useLocalDpi xmlns:a14="http://schemas.microsoft.com/office/drawing/2010/main" val="0"/>
+              </a:ext>
+              <a:ext uri="{96DAC541-7B7A-43D3-8B79-37D633B846F1}">
+                <asvg:svgBlip xmlns:asvg="http://schemas.microsoft.com/office/drawing/2016/SVG/main" r:embed="rId6"/>
+              </a:ext>
+            </a:extLst>
+          </a:blip>
+          <a:stretch>
+            <a:fillRect/>
+          </a:stretch>
+        </a:blipFill>
+        <a:ln>
+          <a:noFill/>
+        </a:ln>
+      </dgm:spPr>
+      <dgm:extLst>
+        <a:ext uri="{E40237B7-FDA0-4F09-8148-C483321AD2D9}">
+          <dgm14:cNvPr xmlns:dgm14="http://schemas.microsoft.com/office/drawing/2010/diagram" id="0" name="" descr="Checkmark"/>
+        </a:ext>
+      </dgm:extLst>
+    </dgm:pt>
+    <dgm:pt modelId="{97E5615C-356F-48B1-A594-202E0249070D}" type="pres">
+      <dgm:prSet presAssocID="{18055893-4840-4541-887A-F7E3F1328C9E}" presName="spaceRect" presStyleCnt="0"/>
+      <dgm:spPr/>
+    </dgm:pt>
+    <dgm:pt modelId="{5CB9A178-EAC5-4951-B4BD-9565B410DD5D}" type="pres">
+      <dgm:prSet presAssocID="{18055893-4840-4541-887A-F7E3F1328C9E}" presName="textRect" presStyleLbl="revTx" presStyleIdx="2" presStyleCnt="3">
+        <dgm:presLayoutVars>
+          <dgm:chMax val="1"/>
+          <dgm:chPref val="1"/>
+        </dgm:presLayoutVars>
+      </dgm:prSet>
+      <dgm:spPr/>
+    </dgm:pt>
+  </dgm:ptLst>
+  <dgm:cxnLst>
+    <dgm:cxn modelId="{F2E9B446-5A9A-D945-A9EC-E74CB35BC285}" type="presOf" srcId="{83A9E553-14E6-4CEB-B27A-1F8515A09E0A}" destId="{B4EDE119-3FFC-48F6-8D23-F1547773ABDE}" srcOrd="0" destOrd="0" presId="urn:microsoft.com/office/officeart/2018/5/layout/IconLeafLabelList"/>
+    <dgm:cxn modelId="{C9BD354E-D192-B34B-899A-B4F41BF7995B}" type="presOf" srcId="{3FF6CBC9-960C-4221-8F0C-1AA03407D1BF}" destId="{48F15220-BFCA-4109-8BB9-6BB80C952900}" srcOrd="0" destOrd="0" presId="urn:microsoft.com/office/officeart/2018/5/layout/IconLeafLabelList"/>
+    <dgm:cxn modelId="{18EB0A64-EE69-3547-AF4C-2A4B82ACEE9F}" type="presOf" srcId="{18055893-4840-4541-887A-F7E3F1328C9E}" destId="{5CB9A178-EAC5-4951-B4BD-9565B410DD5D}" srcOrd="0" destOrd="0" presId="urn:microsoft.com/office/officeart/2018/5/layout/IconLeafLabelList"/>
+    <dgm:cxn modelId="{FEECF0CA-286F-4926-BC60-2CDB381197F4}" srcId="{4F1423A0-3833-4D99-9159-F36241E315B1}" destId="{3FF6CBC9-960C-4221-8F0C-1AA03407D1BF}" srcOrd="1" destOrd="0" parTransId="{5A8436B2-995A-433D-9652-8C947CA1DD8A}" sibTransId="{48CD6DBF-80F0-491C-A6DA-020CF871F647}"/>
+    <dgm:cxn modelId="{F0BB89D7-3566-4716-8E17-C677F76A39C4}" srcId="{4F1423A0-3833-4D99-9159-F36241E315B1}" destId="{83A9E553-14E6-4CEB-B27A-1F8515A09E0A}" srcOrd="0" destOrd="0" parTransId="{4B54F7CF-4695-4DEC-AA9A-6C9D6287BB79}" sibTransId="{E86DD684-70CC-4B19-BE34-13368EE4291B}"/>
+    <dgm:cxn modelId="{6E02D3E1-BBC8-4F43-B36F-90197C2B6556}" srcId="{4F1423A0-3833-4D99-9159-F36241E315B1}" destId="{18055893-4840-4541-887A-F7E3F1328C9E}" srcOrd="2" destOrd="0" parTransId="{354B09CA-9E0F-469B-A32D-150C2E970763}" sibTransId="{6C6FD4D0-869C-4C3B-A74D-B2A52134D6D8}"/>
+    <dgm:cxn modelId="{22457DE8-7323-F34F-BD5E-BEDEE5C95E0E}" type="presOf" srcId="{4F1423A0-3833-4D99-9159-F36241E315B1}" destId="{F7261714-1394-44A6-BA2E-FEB82E9FF5B9}" srcOrd="0" destOrd="0" presId="urn:microsoft.com/office/officeart/2018/5/layout/IconLeafLabelList"/>
+    <dgm:cxn modelId="{90C2A330-59F6-2443-81DD-737E45B323C9}" type="presParOf" srcId="{F7261714-1394-44A6-BA2E-FEB82E9FF5B9}" destId="{A2C196B9-C7FE-432D-BBC3-3DF123A25911}" srcOrd="0" destOrd="0" presId="urn:microsoft.com/office/officeart/2018/5/layout/IconLeafLabelList"/>
+    <dgm:cxn modelId="{1831E00A-3374-6547-AB26-A92F50FF6839}" type="presParOf" srcId="{A2C196B9-C7FE-432D-BBC3-3DF123A25911}" destId="{E5166D44-C2B8-4B63-AD87-07B5EBF8784A}" srcOrd="0" destOrd="0" presId="urn:microsoft.com/office/officeart/2018/5/layout/IconLeafLabelList"/>
+    <dgm:cxn modelId="{6C41C1FD-C463-1F46-B826-09835B5A0567}" type="presParOf" srcId="{A2C196B9-C7FE-432D-BBC3-3DF123A25911}" destId="{D19AC4C6-4B3F-45C7-8D08-6430A1C42235}" srcOrd="1" destOrd="0" presId="urn:microsoft.com/office/officeart/2018/5/layout/IconLeafLabelList"/>
+    <dgm:cxn modelId="{250B9612-A45F-D04E-928E-23E10E03B4F2}" type="presParOf" srcId="{A2C196B9-C7FE-432D-BBC3-3DF123A25911}" destId="{CBD1497B-B7C6-4C72-8DF3-B79691F4DECD}" srcOrd="2" destOrd="0" presId="urn:microsoft.com/office/officeart/2018/5/layout/IconLeafLabelList"/>
+    <dgm:cxn modelId="{D5001838-6838-3C4A-B72C-9B5D7BC83E66}" type="presParOf" srcId="{A2C196B9-C7FE-432D-BBC3-3DF123A25911}" destId="{B4EDE119-3FFC-48F6-8D23-F1547773ABDE}" srcOrd="3" destOrd="0" presId="urn:microsoft.com/office/officeart/2018/5/layout/IconLeafLabelList"/>
+    <dgm:cxn modelId="{84FA973F-7CAD-324A-9D1F-542FECB59BB3}" type="presParOf" srcId="{F7261714-1394-44A6-BA2E-FEB82E9FF5B9}" destId="{7E22117D-8BEA-4EC3-ABA9-9E854529FA2D}" srcOrd="1" destOrd="0" presId="urn:microsoft.com/office/officeart/2018/5/layout/IconLeafLabelList"/>
+    <dgm:cxn modelId="{B64C3A5B-DE77-E846-9C1F-4DA188FD6C4F}" type="presParOf" srcId="{F7261714-1394-44A6-BA2E-FEB82E9FF5B9}" destId="{90787CD8-C098-4C06-9170-7DA2412FE745}" srcOrd="2" destOrd="0" presId="urn:microsoft.com/office/officeart/2018/5/layout/IconLeafLabelList"/>
+    <dgm:cxn modelId="{2D932BBB-E835-4348-863B-455F0603C4C4}" type="presParOf" srcId="{90787CD8-C098-4C06-9170-7DA2412FE745}" destId="{D526E3FF-5647-4E14-8CA1-EB424E470EC6}" srcOrd="0" destOrd="0" presId="urn:microsoft.com/office/officeart/2018/5/layout/IconLeafLabelList"/>
+    <dgm:cxn modelId="{75D01293-7C73-CF40-ABA0-58916B259185}" type="presParOf" srcId="{90787CD8-C098-4C06-9170-7DA2412FE745}" destId="{E4A8415D-E4D2-482D-945C-205E35C44838}" srcOrd="1" destOrd="0" presId="urn:microsoft.com/office/officeart/2018/5/layout/IconLeafLabelList"/>
+    <dgm:cxn modelId="{78F6CA38-C5E1-CE49-999E-4F47BE9F4F9E}" type="presParOf" srcId="{90787CD8-C098-4C06-9170-7DA2412FE745}" destId="{F4DD8D1B-3E15-4444-A511-AEDB52CB6E17}" srcOrd="2" destOrd="0" presId="urn:microsoft.com/office/officeart/2018/5/layout/IconLeafLabelList"/>
+    <dgm:cxn modelId="{1535DD06-252F-4C4D-90F8-9D24AFD41A6D}" type="presParOf" srcId="{90787CD8-C098-4C06-9170-7DA2412FE745}" destId="{48F15220-BFCA-4109-8BB9-6BB80C952900}" srcOrd="3" destOrd="0" presId="urn:microsoft.com/office/officeart/2018/5/layout/IconLeafLabelList"/>
+    <dgm:cxn modelId="{AA6AD209-CEA8-5245-A866-6401653D134F}" type="presParOf" srcId="{F7261714-1394-44A6-BA2E-FEB82E9FF5B9}" destId="{F186D5AE-30EB-4C86-858D-22D3ECD4E3D7}" srcOrd="3" destOrd="0" presId="urn:microsoft.com/office/officeart/2018/5/layout/IconLeafLabelList"/>
+    <dgm:cxn modelId="{992B0201-437B-7844-A60B-D28D24F5D20F}" type="presParOf" srcId="{F7261714-1394-44A6-BA2E-FEB82E9FF5B9}" destId="{85EBABB0-5193-48B9-9417-80C086D247C4}" srcOrd="4" destOrd="0" presId="urn:microsoft.com/office/officeart/2018/5/layout/IconLeafLabelList"/>
+    <dgm:cxn modelId="{48EBEFFF-6E76-104D-8B35-CD710E3BA1C8}" type="presParOf" srcId="{85EBABB0-5193-48B9-9417-80C086D247C4}" destId="{A570C509-E2C1-4384-A4F5-A867C5744B31}" srcOrd="0" destOrd="0" presId="urn:microsoft.com/office/officeart/2018/5/layout/IconLeafLabelList"/>
+    <dgm:cxn modelId="{DA0BD18C-74B7-B24F-BD92-CB43C9852F0B}" type="presParOf" srcId="{85EBABB0-5193-48B9-9417-80C086D247C4}" destId="{A42DC128-BD31-4284-9959-4E69D7ED1842}" srcOrd="1" destOrd="0" presId="urn:microsoft.com/office/officeart/2018/5/layout/IconLeafLabelList"/>
+    <dgm:cxn modelId="{82E9C4E1-0AF1-514E-AF70-0E1710D1E784}" type="presParOf" srcId="{85EBABB0-5193-48B9-9417-80C086D247C4}" destId="{97E5615C-356F-48B1-A594-202E0249070D}" srcOrd="2" destOrd="0" presId="urn:microsoft.com/office/officeart/2018/5/layout/IconLeafLabelList"/>
+    <dgm:cxn modelId="{E0455181-B329-8E4C-97B9-38160FB67726}" type="presParOf" srcId="{85EBABB0-5193-48B9-9417-80C086D247C4}" destId="{5CB9A178-EAC5-4951-B4BD-9565B410DD5D}" srcOrd="3" destOrd="0" presId="urn:microsoft.com/office/officeart/2018/5/layout/IconLeafLabelList"/>
+  </dgm:cxnLst>
+  <dgm:bg/>
+  <dgm:whole/>
+  <dgm:extLst>
+    <a:ext uri="http://schemas.microsoft.com/office/drawing/2008/diagram">
+      <dsp:dataModelExt xmlns:dsp="http://schemas.microsoft.com/office/drawing/2008/diagram" relId="rId6" minVer="http://schemas.openxmlformats.org/drawingml/2006/diagram"/>
+    </a:ext>
+  </dgm:extLst>
+</dgm:dataModel>
+</file>
+
+<file path=ppt/diagrams/data3.xml><?xml version="1.0" encoding="utf-8"?>
 <dgm:dataModel xmlns:dgm="http://schemas.openxmlformats.org/drawingml/2006/diagram" xmlns:a="http://schemas.openxmlformats.org/drawingml/2006/main">
   <dgm:ptLst>
     <dgm:pt modelId="{C8D34FA9-50B2-4802-97B8-1D37945292A9}" type="doc">
@@ -3062,6 +4345,474 @@
       <dsp:cNvGrpSpPr/>
     </dsp:nvGrpSpPr>
     <dsp:grpSpPr/>
+    <dsp:sp modelId="{E5166D44-C2B8-4B63-AD87-07B5EBF8784A}">
+      <dsp:nvSpPr>
+        <dsp:cNvPr id="0" name=""/>
+        <dsp:cNvSpPr/>
+      </dsp:nvSpPr>
+      <dsp:spPr>
+        <a:xfrm>
+          <a:off x="1149406" y="32599"/>
+          <a:ext cx="1235250" cy="1235250"/>
+        </a:xfrm>
+        <a:prstGeom prst="round2DiagRect">
+          <a:avLst>
+            <a:gd name="adj1" fmla="val 29727"/>
+            <a:gd name="adj2" fmla="val 0"/>
+          </a:avLst>
+        </a:prstGeom>
+        <a:solidFill>
+          <a:schemeClr val="accent2">
+            <a:hueOff val="0"/>
+            <a:satOff val="0"/>
+            <a:lumOff val="0"/>
+            <a:alphaOff val="0"/>
+          </a:schemeClr>
+        </a:solidFill>
+        <a:ln>
+          <a:noFill/>
+        </a:ln>
+        <a:effectLst/>
+      </dsp:spPr>
+      <dsp:style>
+        <a:lnRef idx="0">
+          <a:scrgbClr r="0" g="0" b="0"/>
+        </a:lnRef>
+        <a:fillRef idx="1">
+          <a:scrgbClr r="0" g="0" b="0"/>
+        </a:fillRef>
+        <a:effectRef idx="0">
+          <a:scrgbClr r="0" g="0" b="0"/>
+        </a:effectRef>
+        <a:fontRef idx="minor"/>
+      </dsp:style>
+    </dsp:sp>
+    <dsp:sp modelId="{D19AC4C6-4B3F-45C7-8D08-6430A1C42235}">
+      <dsp:nvSpPr>
+        <dsp:cNvPr id="0" name=""/>
+        <dsp:cNvSpPr/>
+      </dsp:nvSpPr>
+      <dsp:spPr>
+        <a:xfrm>
+          <a:off x="1412656" y="295849"/>
+          <a:ext cx="708750" cy="708750"/>
+        </a:xfrm>
+        <a:prstGeom prst="rect">
+          <a:avLst/>
+        </a:prstGeom>
+        <a:blipFill>
+          <a:blip xmlns:r="http://schemas.openxmlformats.org/officeDocument/2006/relationships" r:embed="rId1">
+            <a:extLst>
+              <a:ext uri="{28A0092B-C50C-407E-A947-70E740481C1C}">
+                <a14:useLocalDpi xmlns:a14="http://schemas.microsoft.com/office/drawing/2010/main" val="0"/>
+              </a:ext>
+              <a:ext uri="{96DAC541-7B7A-43D3-8B79-37D633B846F1}">
+                <asvg:svgBlip xmlns:asvg="http://schemas.microsoft.com/office/drawing/2016/SVG/main" r:embed="rId2"/>
+              </a:ext>
+            </a:extLst>
+          </a:blip>
+          <a:stretch>
+            <a:fillRect/>
+          </a:stretch>
+        </a:blipFill>
+        <a:ln w="15875" cap="flat" cmpd="sng" algn="ctr">
+          <a:noFill/>
+          <a:prstDash val="solid"/>
+        </a:ln>
+        <a:effectLst/>
+      </dsp:spPr>
+      <dsp:style>
+        <a:lnRef idx="2">
+          <a:scrgbClr r="0" g="0" b="0"/>
+        </a:lnRef>
+        <a:fillRef idx="1">
+          <a:scrgbClr r="0" g="0" b="0"/>
+        </a:fillRef>
+        <a:effectRef idx="0">
+          <a:scrgbClr r="0" g="0" b="0"/>
+        </a:effectRef>
+        <a:fontRef idx="minor">
+          <a:schemeClr val="lt1"/>
+        </a:fontRef>
+      </dsp:style>
+    </dsp:sp>
+    <dsp:sp modelId="{B4EDE119-3FFC-48F6-8D23-F1547773ABDE}">
+      <dsp:nvSpPr>
+        <dsp:cNvPr id="0" name=""/>
+        <dsp:cNvSpPr/>
+      </dsp:nvSpPr>
+      <dsp:spPr>
+        <a:xfrm>
+          <a:off x="754531" y="1652600"/>
+          <a:ext cx="2025000" cy="720000"/>
+        </a:xfrm>
+        <a:prstGeom prst="rect">
+          <a:avLst/>
+        </a:prstGeom>
+        <a:noFill/>
+        <a:ln>
+          <a:noFill/>
+        </a:ln>
+        <a:effectLst/>
+      </dsp:spPr>
+      <dsp:style>
+        <a:lnRef idx="0">
+          <a:scrgbClr r="0" g="0" b="0"/>
+        </a:lnRef>
+        <a:fillRef idx="0">
+          <a:scrgbClr r="0" g="0" b="0"/>
+        </a:fillRef>
+        <a:effectRef idx="0">
+          <a:scrgbClr r="0" g="0" b="0"/>
+        </a:effectRef>
+        <a:fontRef idx="minor"/>
+      </dsp:style>
+      <dsp:txBody>
+        <a:bodyPr spcFirstLastPara="0" vert="horz" wrap="square" lIns="0" tIns="0" rIns="0" bIns="0" numCol="1" spcCol="1270" anchor="t" anchorCtr="0">
+          <a:noAutofit/>
+        </a:bodyPr>
+        <a:lstStyle/>
+        <a:p>
+          <a:pPr marL="0" lvl="0" indent="0" algn="ctr" defTabSz="488950">
+            <a:lnSpc>
+              <a:spcPct val="100000"/>
+            </a:lnSpc>
+            <a:spcBef>
+              <a:spcPct val="0"/>
+            </a:spcBef>
+            <a:spcAft>
+              <a:spcPct val="35000"/>
+            </a:spcAft>
+            <a:buNone/>
+            <a:defRPr cap="all"/>
+          </a:pPr>
+          <a:r>
+            <a:rPr lang="en-US" sz="1100" kern="1200" dirty="0"/>
+            <a:t>PNN was tested for accuracy and RMSE against CART and Random Forest Algorithms</a:t>
+          </a:r>
+        </a:p>
+      </dsp:txBody>
+      <dsp:txXfrm>
+        <a:off x="754531" y="1652600"/>
+        <a:ext cx="2025000" cy="720000"/>
+      </dsp:txXfrm>
+    </dsp:sp>
+    <dsp:sp modelId="{D526E3FF-5647-4E14-8CA1-EB424E470EC6}">
+      <dsp:nvSpPr>
+        <dsp:cNvPr id="0" name=""/>
+        <dsp:cNvSpPr/>
+      </dsp:nvSpPr>
+      <dsp:spPr>
+        <a:xfrm>
+          <a:off x="3528781" y="32599"/>
+          <a:ext cx="1235250" cy="1235250"/>
+        </a:xfrm>
+        <a:prstGeom prst="round2DiagRect">
+          <a:avLst>
+            <a:gd name="adj1" fmla="val 29727"/>
+            <a:gd name="adj2" fmla="val 0"/>
+          </a:avLst>
+        </a:prstGeom>
+        <a:solidFill>
+          <a:schemeClr val="accent3">
+            <a:hueOff val="0"/>
+            <a:satOff val="0"/>
+            <a:lumOff val="0"/>
+            <a:alphaOff val="0"/>
+          </a:schemeClr>
+        </a:solidFill>
+        <a:ln>
+          <a:noFill/>
+        </a:ln>
+        <a:effectLst/>
+      </dsp:spPr>
+      <dsp:style>
+        <a:lnRef idx="0">
+          <a:scrgbClr r="0" g="0" b="0"/>
+        </a:lnRef>
+        <a:fillRef idx="1">
+          <a:scrgbClr r="0" g="0" b="0"/>
+        </a:fillRef>
+        <a:effectRef idx="0">
+          <a:scrgbClr r="0" g="0" b="0"/>
+        </a:effectRef>
+        <a:fontRef idx="minor"/>
+      </dsp:style>
+    </dsp:sp>
+    <dsp:sp modelId="{E4A8415D-E4D2-482D-945C-205E35C44838}">
+      <dsp:nvSpPr>
+        <dsp:cNvPr id="0" name=""/>
+        <dsp:cNvSpPr/>
+      </dsp:nvSpPr>
+      <dsp:spPr>
+        <a:xfrm>
+          <a:off x="3792031" y="295849"/>
+          <a:ext cx="708750" cy="708750"/>
+        </a:xfrm>
+        <a:prstGeom prst="rect">
+          <a:avLst/>
+        </a:prstGeom>
+        <a:blipFill>
+          <a:blip xmlns:r="http://schemas.openxmlformats.org/officeDocument/2006/relationships" r:embed="rId3">
+            <a:extLst>
+              <a:ext uri="{28A0092B-C50C-407E-A947-70E740481C1C}">
+                <a14:useLocalDpi xmlns:a14="http://schemas.microsoft.com/office/drawing/2010/main" val="0"/>
+              </a:ext>
+              <a:ext uri="{96DAC541-7B7A-43D3-8B79-37D633B846F1}">
+                <asvg:svgBlip xmlns:asvg="http://schemas.microsoft.com/office/drawing/2016/SVG/main" r:embed="rId4"/>
+              </a:ext>
+            </a:extLst>
+          </a:blip>
+          <a:stretch>
+            <a:fillRect/>
+          </a:stretch>
+        </a:blipFill>
+        <a:ln w="15875" cap="flat" cmpd="sng" algn="ctr">
+          <a:noFill/>
+          <a:prstDash val="solid"/>
+        </a:ln>
+        <a:effectLst/>
+      </dsp:spPr>
+      <dsp:style>
+        <a:lnRef idx="2">
+          <a:scrgbClr r="0" g="0" b="0"/>
+        </a:lnRef>
+        <a:fillRef idx="1">
+          <a:scrgbClr r="0" g="0" b="0"/>
+        </a:fillRef>
+        <a:effectRef idx="0">
+          <a:scrgbClr r="0" g="0" b="0"/>
+        </a:effectRef>
+        <a:fontRef idx="minor">
+          <a:schemeClr val="lt1"/>
+        </a:fontRef>
+      </dsp:style>
+    </dsp:sp>
+    <dsp:sp modelId="{48F15220-BFCA-4109-8BB9-6BB80C952900}">
+      <dsp:nvSpPr>
+        <dsp:cNvPr id="0" name=""/>
+        <dsp:cNvSpPr/>
+      </dsp:nvSpPr>
+      <dsp:spPr>
+        <a:xfrm>
+          <a:off x="3133906" y="1652600"/>
+          <a:ext cx="2025000" cy="720000"/>
+        </a:xfrm>
+        <a:prstGeom prst="rect">
+          <a:avLst/>
+        </a:prstGeom>
+        <a:noFill/>
+        <a:ln>
+          <a:noFill/>
+        </a:ln>
+        <a:effectLst/>
+      </dsp:spPr>
+      <dsp:style>
+        <a:lnRef idx="0">
+          <a:scrgbClr r="0" g="0" b="0"/>
+        </a:lnRef>
+        <a:fillRef idx="0">
+          <a:scrgbClr r="0" g="0" b="0"/>
+        </a:fillRef>
+        <a:effectRef idx="0">
+          <a:scrgbClr r="0" g="0" b="0"/>
+        </a:effectRef>
+        <a:fontRef idx="minor"/>
+      </dsp:style>
+      <dsp:txBody>
+        <a:bodyPr spcFirstLastPara="0" vert="horz" wrap="square" lIns="0" tIns="0" rIns="0" bIns="0" numCol="1" spcCol="1270" anchor="t" anchorCtr="0">
+          <a:noAutofit/>
+        </a:bodyPr>
+        <a:lstStyle/>
+        <a:p>
+          <a:pPr marL="0" lvl="0" indent="0" algn="ctr" defTabSz="488950">
+            <a:lnSpc>
+              <a:spcPct val="100000"/>
+            </a:lnSpc>
+            <a:spcBef>
+              <a:spcPct val="0"/>
+            </a:spcBef>
+            <a:spcAft>
+              <a:spcPct val="35000"/>
+            </a:spcAft>
+            <a:buNone/>
+            <a:defRPr cap="all"/>
+          </a:pPr>
+          <a:r>
+            <a:rPr lang="en-US" sz="1100" kern="1200"/>
+            <a:t>2 housing datasets were used with 21k and 500k records and 13 &amp; 15 predictors</a:t>
+          </a:r>
+        </a:p>
+      </dsp:txBody>
+      <dsp:txXfrm>
+        <a:off x="3133906" y="1652600"/>
+        <a:ext cx="2025000" cy="720000"/>
+      </dsp:txXfrm>
+    </dsp:sp>
+    <dsp:sp modelId="{A570C509-E2C1-4384-A4F5-A867C5744B31}">
+      <dsp:nvSpPr>
+        <dsp:cNvPr id="0" name=""/>
+        <dsp:cNvSpPr/>
+      </dsp:nvSpPr>
+      <dsp:spPr>
+        <a:xfrm>
+          <a:off x="2339093" y="2878850"/>
+          <a:ext cx="1235250" cy="1235250"/>
+        </a:xfrm>
+        <a:prstGeom prst="round2DiagRect">
+          <a:avLst>
+            <a:gd name="adj1" fmla="val 29727"/>
+            <a:gd name="adj2" fmla="val 0"/>
+          </a:avLst>
+        </a:prstGeom>
+        <a:solidFill>
+          <a:schemeClr val="accent4">
+            <a:hueOff val="0"/>
+            <a:satOff val="0"/>
+            <a:lumOff val="0"/>
+            <a:alphaOff val="0"/>
+          </a:schemeClr>
+        </a:solidFill>
+        <a:ln>
+          <a:noFill/>
+        </a:ln>
+        <a:effectLst/>
+      </dsp:spPr>
+      <dsp:style>
+        <a:lnRef idx="0">
+          <a:scrgbClr r="0" g="0" b="0"/>
+        </a:lnRef>
+        <a:fillRef idx="1">
+          <a:scrgbClr r="0" g="0" b="0"/>
+        </a:fillRef>
+        <a:effectRef idx="0">
+          <a:scrgbClr r="0" g="0" b="0"/>
+        </a:effectRef>
+        <a:fontRef idx="minor"/>
+      </dsp:style>
+    </dsp:sp>
+    <dsp:sp modelId="{A42DC128-BD31-4284-9959-4E69D7ED1842}">
+      <dsp:nvSpPr>
+        <dsp:cNvPr id="0" name=""/>
+        <dsp:cNvSpPr/>
+      </dsp:nvSpPr>
+      <dsp:spPr>
+        <a:xfrm>
+          <a:off x="2602343" y="3142100"/>
+          <a:ext cx="708750" cy="708750"/>
+        </a:xfrm>
+        <a:prstGeom prst="rect">
+          <a:avLst/>
+        </a:prstGeom>
+        <a:blipFill>
+          <a:blip xmlns:r="http://schemas.openxmlformats.org/officeDocument/2006/relationships" r:embed="rId5">
+            <a:extLst>
+              <a:ext uri="{28A0092B-C50C-407E-A947-70E740481C1C}">
+                <a14:useLocalDpi xmlns:a14="http://schemas.microsoft.com/office/drawing/2010/main" val="0"/>
+              </a:ext>
+              <a:ext uri="{96DAC541-7B7A-43D3-8B79-37D633B846F1}">
+                <asvg:svgBlip xmlns:asvg="http://schemas.microsoft.com/office/drawing/2016/SVG/main" r:embed="rId6"/>
+              </a:ext>
+            </a:extLst>
+          </a:blip>
+          <a:stretch>
+            <a:fillRect/>
+          </a:stretch>
+        </a:blipFill>
+        <a:ln w="15875" cap="flat" cmpd="sng" algn="ctr">
+          <a:noFill/>
+          <a:prstDash val="solid"/>
+        </a:ln>
+        <a:effectLst/>
+      </dsp:spPr>
+      <dsp:style>
+        <a:lnRef idx="2">
+          <a:scrgbClr r="0" g="0" b="0"/>
+        </a:lnRef>
+        <a:fillRef idx="1">
+          <a:scrgbClr r="0" g="0" b="0"/>
+        </a:fillRef>
+        <a:effectRef idx="0">
+          <a:scrgbClr r="0" g="0" b="0"/>
+        </a:effectRef>
+        <a:fontRef idx="minor">
+          <a:schemeClr val="lt1"/>
+        </a:fontRef>
+      </dsp:style>
+    </dsp:sp>
+    <dsp:sp modelId="{5CB9A178-EAC5-4951-B4BD-9565B410DD5D}">
+      <dsp:nvSpPr>
+        <dsp:cNvPr id="0" name=""/>
+        <dsp:cNvSpPr/>
+      </dsp:nvSpPr>
+      <dsp:spPr>
+        <a:xfrm>
+          <a:off x="1944218" y="4498850"/>
+          <a:ext cx="2025000" cy="720000"/>
+        </a:xfrm>
+        <a:prstGeom prst="rect">
+          <a:avLst/>
+        </a:prstGeom>
+        <a:noFill/>
+        <a:ln>
+          <a:noFill/>
+        </a:ln>
+        <a:effectLst/>
+      </dsp:spPr>
+      <dsp:style>
+        <a:lnRef idx="0">
+          <a:scrgbClr r="0" g="0" b="0"/>
+        </a:lnRef>
+        <a:fillRef idx="0">
+          <a:scrgbClr r="0" g="0" b="0"/>
+        </a:fillRef>
+        <a:effectRef idx="0">
+          <a:scrgbClr r="0" g="0" b="0"/>
+        </a:effectRef>
+        <a:fontRef idx="minor"/>
+      </dsp:style>
+      <dsp:txBody>
+        <a:bodyPr spcFirstLastPara="0" vert="horz" wrap="square" lIns="0" tIns="0" rIns="0" bIns="0" numCol="1" spcCol="1270" anchor="t" anchorCtr="0">
+          <a:noAutofit/>
+        </a:bodyPr>
+        <a:lstStyle/>
+        <a:p>
+          <a:pPr marL="0" lvl="0" indent="0" algn="ctr" defTabSz="488950">
+            <a:lnSpc>
+              <a:spcPct val="100000"/>
+            </a:lnSpc>
+            <a:spcBef>
+              <a:spcPct val="0"/>
+            </a:spcBef>
+            <a:spcAft>
+              <a:spcPct val="35000"/>
+            </a:spcAft>
+            <a:buNone/>
+            <a:defRPr cap="all"/>
+          </a:pPr>
+          <a:r>
+            <a:rPr lang="en-US" sz="1100" kern="1200"/>
+            <a:t>Following results were obtained</a:t>
+          </a:r>
+        </a:p>
+      </dsp:txBody>
+      <dsp:txXfrm>
+        <a:off x="1944218" y="4498850"/>
+        <a:ext cx="2025000" cy="720000"/>
+      </dsp:txXfrm>
+    </dsp:sp>
+  </dsp:spTree>
+</dsp:drawing>
+</file>
+
+<file path=ppt/diagrams/drawing3.xml><?xml version="1.0" encoding="utf-8"?>
+<dsp:drawing xmlns:dgm="http://schemas.openxmlformats.org/drawingml/2006/diagram" xmlns:dsp="http://schemas.microsoft.com/office/drawing/2008/diagram" xmlns:a="http://schemas.openxmlformats.org/drawingml/2006/main">
+  <dsp:spTree>
+    <dsp:nvGrpSpPr>
+      <dsp:cNvPr id="0" name=""/>
+      <dsp:cNvGrpSpPr/>
+    </dsp:nvGrpSpPr>
+    <dsp:grpSpPr/>
     <dsp:sp modelId="{8464802D-9CF6-4A6B-B98B-4228F65B7610}">
       <dsp:nvSpPr>
         <dsp:cNvPr id="0" name=""/>
@@ -3814,6 +5565,233 @@
 </file>
 
 <file path=ppt/diagrams/layout2.xml><?xml version="1.0" encoding="utf-8"?>
+<dgm:layoutDef xmlns:dgm="http://schemas.openxmlformats.org/drawingml/2006/diagram" xmlns:a="http://schemas.openxmlformats.org/drawingml/2006/main" uniqueId="urn:microsoft.com/office/officeart/2018/5/layout/IconLeafLabelList">
+  <dgm:title val="Icon Leaf Label List"/>
+  <dgm:desc val="Use to show non-sequential or grouped chunks of information accompanied by a related visuals. Works best with icons or small pictures with short text captions."/>
+  <dgm:catLst>
+    <dgm:cat type="icon" pri="500"/>
+  </dgm:catLst>
+  <dgm:sampData useDef="1">
+    <dgm:dataModel>
+      <dgm:ptLst/>
+      <dgm:bg/>
+      <dgm:whole/>
+    </dgm:dataModel>
+  </dgm:sampData>
+  <dgm:styleData useDef="1">
+    <dgm:dataModel>
+      <dgm:ptLst/>
+      <dgm:bg/>
+      <dgm:whole/>
+    </dgm:dataModel>
+  </dgm:styleData>
+  <dgm:clrData useDef="1">
+    <dgm:dataModel>
+      <dgm:ptLst/>
+      <dgm:bg/>
+      <dgm:whole/>
+    </dgm:dataModel>
+  </dgm:clrData>
+  <dgm:layoutNode name="root">
+    <dgm:varLst>
+      <dgm:dir/>
+      <dgm:resizeHandles val="exact"/>
+    </dgm:varLst>
+    <dgm:choose name="Name0">
+      <dgm:if name="Name1" axis="self" func="var" arg="dir" op="equ" val="norm">
+        <dgm:alg type="snake">
+          <dgm:param type="grDir" val="tL"/>
+          <dgm:param type="flowDir" val="row"/>
+          <dgm:param type="contDir" val="sameDir"/>
+          <dgm:param type="off" val="ctr"/>
+          <dgm:param type="vertAlign" val="mid"/>
+          <dgm:param type="horzAlign" val="ctr"/>
+        </dgm:alg>
+      </dgm:if>
+      <dgm:else name="Name2">
+        <dgm:alg type="snake">
+          <dgm:param type="grDir" val="tR"/>
+          <dgm:param type="flowDir" val="row"/>
+          <dgm:param type="contDir" val="sameDir"/>
+          <dgm:param type="off" val="ctr"/>
+          <dgm:param type="vertAlign" val="mid"/>
+          <dgm:param type="horzAlign" val="ctr"/>
+        </dgm:alg>
+      </dgm:else>
+    </dgm:choose>
+    <dgm:shape xmlns:r="http://schemas.openxmlformats.org/officeDocument/2006/relationships" r:blip="">
+      <dgm:adjLst/>
+    </dgm:shape>
+    <dgm:presOf/>
+    <dgm:choose name="Name3">
+      <dgm:if name="Name4" axis="ch" ptType="node" func="cnt" op="lte" val="2">
+        <dgm:constrLst>
+          <dgm:constr type="h" for="ch" forName="compNode" refType="h" fact="0.4"/>
+          <dgm:constr type="w" for="ch" forName="compNode" val="100"/>
+          <dgm:constr type="w" for="ch" forName="sibTrans" refType="w" refFor="ch" refForName="compNode" fact="0.175"/>
+          <dgm:constr type="sp" refType="w" refFor="ch" refForName="compNode" op="equ" fact="0.25"/>
+          <dgm:constr type="primFontSz" for="des" ptType="node" op="equ" val="44"/>
+          <dgm:constr type="h" for="des" forName="compNode" op="equ"/>
+          <dgm:constr type="h" for="des" forName="textRect" op="equ"/>
+        </dgm:constrLst>
+      </dgm:if>
+      <dgm:if name="Name5" axis="ch" ptType="node" func="cnt" op="lte" val="3">
+        <dgm:constrLst>
+          <dgm:constr type="h" for="ch" forName="compNode" refType="h" fact="0.4"/>
+          <dgm:constr type="w" for="ch" forName="compNode" val="100"/>
+          <dgm:constr type="w" for="ch" forName="sibTrans" refType="w" refFor="ch" refForName="compNode" fact="0.175"/>
+          <dgm:constr type="sp" refType="w" refFor="ch" refForName="compNode" op="equ" fact="0.25"/>
+          <dgm:constr type="primFontSz" for="des" ptType="node" op="equ" val="40"/>
+          <dgm:constr type="h" for="des" forName="compNode" op="equ"/>
+          <dgm:constr type="h" for="des" forName="textRect" op="equ"/>
+        </dgm:constrLst>
+      </dgm:if>
+      <dgm:if name="Name6" axis="ch" ptType="node" func="cnt" op="lte" val="4">
+        <dgm:constrLst>
+          <dgm:constr type="h" for="ch" forName="compNode" refType="h" fact="0.4"/>
+          <dgm:constr type="w" for="ch" forName="compNode" refType="w"/>
+          <dgm:constr type="w" for="ch" forName="sibTrans" refType="w" refFor="ch" refForName="compNode" fact="0.175"/>
+          <dgm:constr type="sp" refType="w" refFor="ch" refForName="compNode" op="equ" fact="0.25"/>
+          <dgm:constr type="primFontSz" for="des" ptType="node" op="equ" val="32"/>
+          <dgm:constr type="h" for="des" forName="compNode" op="equ"/>
+          <dgm:constr type="h" for="des" forName="textRect" op="equ"/>
+        </dgm:constrLst>
+      </dgm:if>
+      <dgm:else name="Name7">
+        <dgm:constrLst>
+          <dgm:constr type="h" for="ch" forName="compNode" refType="h" fact="0.4"/>
+          <dgm:constr type="w" for="ch" forName="compNode" refType="w"/>
+          <dgm:constr type="w" for="ch" forName="sibTrans" refType="w" refFor="ch" refForName="compNode" fact="0.175"/>
+          <dgm:constr type="sp" refType="w" refFor="ch" refForName="compNode" op="equ" fact="0.25"/>
+          <dgm:constr type="primFontSz" for="des" ptType="node" op="equ" val="24"/>
+          <dgm:constr type="h" for="des" forName="compNode" op="equ"/>
+          <dgm:constr type="h" for="des" forName="textRect" op="equ"/>
+        </dgm:constrLst>
+      </dgm:else>
+    </dgm:choose>
+    <dgm:ruleLst>
+      <dgm:rule type="w" for="ch" forName="compNode" val="50" fact="NaN" max="NaN"/>
+    </dgm:ruleLst>
+    <dgm:forEach name="Name8" axis="ch" ptType="node">
+      <dgm:layoutNode name="compNode">
+        <dgm:alg type="composite"/>
+        <dgm:shape xmlns:r="http://schemas.openxmlformats.org/officeDocument/2006/relationships" r:blip="">
+          <dgm:adjLst/>
+        </dgm:shape>
+        <dgm:presOf axis="self"/>
+        <dgm:constrLst>
+          <dgm:constr type="w" for="ch" forName="iconBgRect" refType="w" fact="0.61"/>
+          <dgm:constr type="h" for="ch" forName="iconBgRect" refType="w" refFor="ch" refForName="iconBgRect"/>
+          <dgm:constr type="t" for="ch" forName="iconBgRect"/>
+          <dgm:constr type="ctrX" for="ch" forName="iconBgRect" refType="w" fact="0.5"/>
+          <dgm:constr type="w" for="ch" forName="iconRect" refType="w" fact="0.35"/>
+          <dgm:constr type="h" for="ch" forName="iconRect" refType="w" refFor="ch" refForName="iconRect"/>
+          <dgm:constr type="ctrX" for="ch" forName="iconRect" refType="ctrX" refFor="ch" refForName="iconBgRect"/>
+          <dgm:constr type="ctrY" for="ch" forName="iconRect" refType="ctrY" refFor="ch" refForName="iconBgRect"/>
+          <dgm:constr type="h" for="ch" forName="spaceRect" refType="w" fact="0.19"/>
+          <dgm:constr type="w" for="ch" forName="spaceRect" refType="w"/>
+          <dgm:constr type="l" for="ch" forName="spaceRect"/>
+          <dgm:constr type="t" for="ch" forName="spaceRect" refType="b" refFor="ch" refForName="iconBgRect"/>
+          <dgm:constr type="h" for="ch" forName="textRect" val="20"/>
+          <dgm:constr type="w" for="ch" forName="textRect" refType="w"/>
+          <dgm:constr type="l" for="ch" forName="textRect"/>
+          <dgm:constr type="t" for="ch" forName="textRect" refType="b" refFor="ch" refForName="spaceRect"/>
+        </dgm:constrLst>
+        <dgm:ruleLst>
+          <dgm:rule type="h" val="INF" fact="NaN" max="NaN"/>
+        </dgm:ruleLst>
+        <dgm:layoutNode name="iconBgRect" styleLbl="bgShp">
+          <dgm:alg type="sp"/>
+          <dgm:shape xmlns:r="http://schemas.openxmlformats.org/officeDocument/2006/relationships" type="round2DiagRect" r:blip="">
+            <dgm:adjLst/>
+            <dgm:extLst>
+              <a:ext uri="{B698B0E9-8C71-41B9-8309-B3DCBF30829C}">
+                <dgm1612:spPr xmlns:dgm1612="http://schemas.microsoft.com/office/drawing/2016/12/diagram">
+                  <a:prstGeom prst="round2DiagRect">
+                    <a:avLst>
+                      <a:gd name="adj1" fmla="val 29727"/>
+                      <a:gd name="adj2" fmla="val 0"/>
+                    </a:avLst>
+                  </a:prstGeom>
+                </dgm1612:spPr>
+              </a:ext>
+            </dgm:extLst>
+          </dgm:shape>
+          <dgm:presOf/>
+          <dgm:constrLst/>
+          <dgm:ruleLst/>
+        </dgm:layoutNode>
+        <dgm:layoutNode name="iconRect" styleLbl="node1">
+          <dgm:alg type="sp"/>
+          <dgm:shape xmlns:r="http://schemas.openxmlformats.org/officeDocument/2006/relationships" type="rect" r:blip="" blipPhldr="1">
+            <dgm:adjLst/>
+          </dgm:shape>
+          <dgm:presOf/>
+          <dgm:constrLst/>
+          <dgm:ruleLst/>
+        </dgm:layoutNode>
+        <dgm:layoutNode name="spaceRect">
+          <dgm:alg type="sp"/>
+          <dgm:shape xmlns:r="http://schemas.openxmlformats.org/officeDocument/2006/relationships" r:blip="">
+            <dgm:adjLst/>
+          </dgm:shape>
+          <dgm:presOf/>
+          <dgm:constrLst/>
+          <dgm:ruleLst/>
+        </dgm:layoutNode>
+        <dgm:layoutNode name="textRect" styleLbl="revTx">
+          <dgm:varLst>
+            <dgm:chMax val="1"/>
+            <dgm:chPref val="1"/>
+          </dgm:varLst>
+          <dgm:alg type="tx">
+            <dgm:param type="txAnchorVert" val="t"/>
+          </dgm:alg>
+          <dgm:shape xmlns:r="http://schemas.openxmlformats.org/officeDocument/2006/relationships" type="rect" r:blip="">
+            <dgm:adjLst/>
+          </dgm:shape>
+          <dgm:presOf axis="self" ptType="node"/>
+          <dgm:constrLst>
+            <dgm:constr type="lMarg"/>
+            <dgm:constr type="rMarg"/>
+            <dgm:constr type="tMarg"/>
+            <dgm:constr type="bMarg"/>
+          </dgm:constrLst>
+          <dgm:ruleLst>
+            <dgm:rule type="primFontSz" val="11" fact="NaN" max="NaN"/>
+            <dgm:rule type="h" val="INF" fact="NaN" max="NaN"/>
+          </dgm:ruleLst>
+        </dgm:layoutNode>
+      </dgm:layoutNode>
+      <dgm:forEach name="Name9" axis="followSib" ptType="sibTrans" cnt="1">
+        <dgm:layoutNode name="sibTrans">
+          <dgm:alg type="sp"/>
+          <dgm:shape xmlns:r="http://schemas.openxmlformats.org/officeDocument/2006/relationships" r:blip="">
+            <dgm:adjLst/>
+          </dgm:shape>
+          <dgm:presOf axis="self"/>
+          <dgm:constrLst/>
+          <dgm:ruleLst/>
+        </dgm:layoutNode>
+      </dgm:forEach>
+    </dgm:forEach>
+  </dgm:layoutNode>
+  <dgm:extLst>
+    <a:ext uri="{68A01E43-0DF5-4B5B-8FA6-DAF915123BFB}">
+      <dgm1612:lstStyle xmlns:dgm1612="http://schemas.microsoft.com/office/drawing/2016/12/diagram">
+        <a:lvl1pPr>
+          <a:lnSpc>
+            <a:spcPct val="100000"/>
+          </a:lnSpc>
+          <a:defRPr cap="all"/>
+        </a:lvl1pPr>
+      </dgm1612:lstStyle>
+    </a:ext>
+  </dgm:extLst>
+</dgm:layoutDef>
+</file>
+
+<file path=ppt/diagrams/layout3.xml><?xml version="1.0" encoding="utf-8"?>
 <dgm:layoutDef xmlns:dgm="http://schemas.openxmlformats.org/drawingml/2006/diagram" xmlns:a="http://schemas.openxmlformats.org/drawingml/2006/main" uniqueId="urn:microsoft.com/office/officeart/2018/2/layout/IconVerticalSolidList">
   <dgm:title val="Icon Vertical Solid List"/>
   <dgm:desc val="Use to show a series of visuals from top to bottom with Level 1 or Level 1 and Level 2 text grouped in a shape. Works best with icons or small pictures with lengthier descriptions."/>
@@ -5142,6 +7120,1040 @@
 </file>
 
 <file path=ppt/diagrams/quickStyle2.xml><?xml version="1.0" encoding="utf-8"?>
+<dgm:styleDef xmlns:dgm="http://schemas.openxmlformats.org/drawingml/2006/diagram" xmlns:a="http://schemas.openxmlformats.org/drawingml/2006/main" uniqueId="urn:microsoft.com/office/officeart/2005/8/quickstyle/simple1">
+  <dgm:title val=""/>
+  <dgm:desc val=""/>
+  <dgm:catLst>
+    <dgm:cat type="simple" pri="10100"/>
+  </dgm:catLst>
+  <dgm:scene3d>
+    <a:camera prst="orthographicFront"/>
+    <a:lightRig rig="threePt" dir="t"/>
+  </dgm:scene3d>
+  <dgm:styleLbl name="node0">
+    <dgm:scene3d>
+      <a:camera prst="orthographicFront"/>
+      <a:lightRig rig="threePt" dir="t"/>
+    </dgm:scene3d>
+    <dgm:sp3d/>
+    <dgm:txPr/>
+    <dgm:style>
+      <a:lnRef idx="2">
+        <a:scrgbClr r="0" g="0" b="0"/>
+      </a:lnRef>
+      <a:fillRef idx="1">
+        <a:scrgbClr r="0" g="0" b="0"/>
+      </a:fillRef>
+      <a:effectRef idx="0">
+        <a:scrgbClr r="0" g="0" b="0"/>
+      </a:effectRef>
+      <a:fontRef idx="minor">
+        <a:schemeClr val="lt1"/>
+      </a:fontRef>
+    </dgm:style>
+  </dgm:styleLbl>
+  <dgm:styleLbl name="lnNode1">
+    <dgm:scene3d>
+      <a:camera prst="orthographicFront"/>
+      <a:lightRig rig="threePt" dir="t"/>
+    </dgm:scene3d>
+    <dgm:sp3d/>
+    <dgm:txPr/>
+    <dgm:style>
+      <a:lnRef idx="2">
+        <a:scrgbClr r="0" g="0" b="0"/>
+      </a:lnRef>
+      <a:fillRef idx="1">
+        <a:scrgbClr r="0" g="0" b="0"/>
+      </a:fillRef>
+      <a:effectRef idx="0">
+        <a:scrgbClr r="0" g="0" b="0"/>
+      </a:effectRef>
+      <a:fontRef idx="minor">
+        <a:schemeClr val="lt1"/>
+      </a:fontRef>
+    </dgm:style>
+  </dgm:styleLbl>
+  <dgm:styleLbl name="vennNode1">
+    <dgm:scene3d>
+      <a:camera prst="orthographicFront"/>
+      <a:lightRig rig="threePt" dir="t"/>
+    </dgm:scene3d>
+    <dgm:sp3d/>
+    <dgm:txPr/>
+    <dgm:style>
+      <a:lnRef idx="2">
+        <a:scrgbClr r="0" g="0" b="0"/>
+      </a:lnRef>
+      <a:fillRef idx="1">
+        <a:scrgbClr r="0" g="0" b="0"/>
+      </a:fillRef>
+      <a:effectRef idx="0">
+        <a:scrgbClr r="0" g="0" b="0"/>
+      </a:effectRef>
+      <a:fontRef idx="minor">
+        <a:schemeClr val="tx1"/>
+      </a:fontRef>
+    </dgm:style>
+  </dgm:styleLbl>
+  <dgm:styleLbl name="alignNode1">
+    <dgm:scene3d>
+      <a:camera prst="orthographicFront"/>
+      <a:lightRig rig="threePt" dir="t"/>
+    </dgm:scene3d>
+    <dgm:sp3d/>
+    <dgm:txPr/>
+    <dgm:style>
+      <a:lnRef idx="2">
+        <a:scrgbClr r="0" g="0" b="0"/>
+      </a:lnRef>
+      <a:fillRef idx="1">
+        <a:scrgbClr r="0" g="0" b="0"/>
+      </a:fillRef>
+      <a:effectRef idx="0">
+        <a:scrgbClr r="0" g="0" b="0"/>
+      </a:effectRef>
+      <a:fontRef idx="minor">
+        <a:schemeClr val="lt1"/>
+      </a:fontRef>
+    </dgm:style>
+  </dgm:styleLbl>
+  <dgm:styleLbl name="node1">
+    <dgm:scene3d>
+      <a:camera prst="orthographicFront"/>
+      <a:lightRig rig="threePt" dir="t"/>
+    </dgm:scene3d>
+    <dgm:sp3d/>
+    <dgm:txPr/>
+    <dgm:style>
+      <a:lnRef idx="2">
+        <a:scrgbClr r="0" g="0" b="0"/>
+      </a:lnRef>
+      <a:fillRef idx="1">
+        <a:scrgbClr r="0" g="0" b="0"/>
+      </a:fillRef>
+      <a:effectRef idx="0">
+        <a:scrgbClr r="0" g="0" b="0"/>
+      </a:effectRef>
+      <a:fontRef idx="minor">
+        <a:schemeClr val="lt1"/>
+      </a:fontRef>
+    </dgm:style>
+  </dgm:styleLbl>
+  <dgm:styleLbl name="node2">
+    <dgm:scene3d>
+      <a:camera prst="orthographicFront"/>
+      <a:lightRig rig="threePt" dir="t"/>
+    </dgm:scene3d>
+    <dgm:sp3d/>
+    <dgm:txPr/>
+    <dgm:style>
+      <a:lnRef idx="2">
+        <a:scrgbClr r="0" g="0" b="0"/>
+      </a:lnRef>
+      <a:fillRef idx="1">
+        <a:scrgbClr r="0" g="0" b="0"/>
+      </a:fillRef>
+      <a:effectRef idx="0">
+        <a:scrgbClr r="0" g="0" b="0"/>
+      </a:effectRef>
+      <a:fontRef idx="minor">
+        <a:schemeClr val="lt1"/>
+      </a:fontRef>
+    </dgm:style>
+  </dgm:styleLbl>
+  <dgm:styleLbl name="node3">
+    <dgm:scene3d>
+      <a:camera prst="orthographicFront"/>
+      <a:lightRig rig="threePt" dir="t"/>
+    </dgm:scene3d>
+    <dgm:sp3d/>
+    <dgm:txPr/>
+    <dgm:style>
+      <a:lnRef idx="2">
+        <a:scrgbClr r="0" g="0" b="0"/>
+      </a:lnRef>
+      <a:fillRef idx="1">
+        <a:scrgbClr r="0" g="0" b="0"/>
+      </a:fillRef>
+      <a:effectRef idx="0">
+        <a:scrgbClr r="0" g="0" b="0"/>
+      </a:effectRef>
+      <a:fontRef idx="minor">
+        <a:schemeClr val="lt1"/>
+      </a:fontRef>
+    </dgm:style>
+  </dgm:styleLbl>
+  <dgm:styleLbl name="node4">
+    <dgm:scene3d>
+      <a:camera prst="orthographicFront"/>
+      <a:lightRig rig="threePt" dir="t"/>
+    </dgm:scene3d>
+    <dgm:sp3d/>
+    <dgm:txPr/>
+    <dgm:style>
+      <a:lnRef idx="2">
+        <a:scrgbClr r="0" g="0" b="0"/>
+      </a:lnRef>
+      <a:fillRef idx="1">
+        <a:scrgbClr r="0" g="0" b="0"/>
+      </a:fillRef>
+      <a:effectRef idx="0">
+        <a:scrgbClr r="0" g="0" b="0"/>
+      </a:effectRef>
+      <a:fontRef idx="minor">
+        <a:schemeClr val="lt1"/>
+      </a:fontRef>
+    </dgm:style>
+  </dgm:styleLbl>
+  <dgm:styleLbl name="fgImgPlace1">
+    <dgm:scene3d>
+      <a:camera prst="orthographicFront"/>
+      <a:lightRig rig="threePt" dir="t"/>
+    </dgm:scene3d>
+    <dgm:sp3d/>
+    <dgm:txPr/>
+    <dgm:style>
+      <a:lnRef idx="2">
+        <a:scrgbClr r="0" g="0" b="0"/>
+      </a:lnRef>
+      <a:fillRef idx="1">
+        <a:scrgbClr r="0" g="0" b="0"/>
+      </a:fillRef>
+      <a:effectRef idx="0">
+        <a:scrgbClr r="0" g="0" b="0"/>
+      </a:effectRef>
+      <a:fontRef idx="minor"/>
+    </dgm:style>
+  </dgm:styleLbl>
+  <dgm:styleLbl name="alignImgPlace1">
+    <dgm:scene3d>
+      <a:camera prst="orthographicFront"/>
+      <a:lightRig rig="threePt" dir="t"/>
+    </dgm:scene3d>
+    <dgm:sp3d/>
+    <dgm:txPr/>
+    <dgm:style>
+      <a:lnRef idx="2">
+        <a:scrgbClr r="0" g="0" b="0"/>
+      </a:lnRef>
+      <a:fillRef idx="1">
+        <a:scrgbClr r="0" g="0" b="0"/>
+      </a:fillRef>
+      <a:effectRef idx="0">
+        <a:scrgbClr r="0" g="0" b="0"/>
+      </a:effectRef>
+      <a:fontRef idx="minor"/>
+    </dgm:style>
+  </dgm:styleLbl>
+  <dgm:styleLbl name="bgImgPlace1">
+    <dgm:scene3d>
+      <a:camera prst="orthographicFront"/>
+      <a:lightRig rig="threePt" dir="t"/>
+    </dgm:scene3d>
+    <dgm:sp3d/>
+    <dgm:txPr/>
+    <dgm:style>
+      <a:lnRef idx="2">
+        <a:scrgbClr r="0" g="0" b="0"/>
+      </a:lnRef>
+      <a:fillRef idx="1">
+        <a:scrgbClr r="0" g="0" b="0"/>
+      </a:fillRef>
+      <a:effectRef idx="0">
+        <a:scrgbClr r="0" g="0" b="0"/>
+      </a:effectRef>
+      <a:fontRef idx="minor"/>
+    </dgm:style>
+  </dgm:styleLbl>
+  <dgm:styleLbl name="sibTrans2D1">
+    <dgm:scene3d>
+      <a:camera prst="orthographicFront"/>
+      <a:lightRig rig="threePt" dir="t"/>
+    </dgm:scene3d>
+    <dgm:sp3d/>
+    <dgm:txPr/>
+    <dgm:style>
+      <a:lnRef idx="0">
+        <a:scrgbClr r="0" g="0" b="0"/>
+      </a:lnRef>
+      <a:fillRef idx="1">
+        <a:scrgbClr r="0" g="0" b="0"/>
+      </a:fillRef>
+      <a:effectRef idx="0">
+        <a:scrgbClr r="0" g="0" b="0"/>
+      </a:effectRef>
+      <a:fontRef idx="minor">
+        <a:schemeClr val="lt1"/>
+      </a:fontRef>
+    </dgm:style>
+  </dgm:styleLbl>
+  <dgm:styleLbl name="fgSibTrans2D1">
+    <dgm:scene3d>
+      <a:camera prst="orthographicFront"/>
+      <a:lightRig rig="threePt" dir="t"/>
+    </dgm:scene3d>
+    <dgm:sp3d/>
+    <dgm:txPr/>
+    <dgm:style>
+      <a:lnRef idx="0">
+        <a:scrgbClr r="0" g="0" b="0"/>
+      </a:lnRef>
+      <a:fillRef idx="1">
+        <a:scrgbClr r="0" g="0" b="0"/>
+      </a:fillRef>
+      <a:effectRef idx="0">
+        <a:scrgbClr r="0" g="0" b="0"/>
+      </a:effectRef>
+      <a:fontRef idx="minor">
+        <a:schemeClr val="lt1"/>
+      </a:fontRef>
+    </dgm:style>
+  </dgm:styleLbl>
+  <dgm:styleLbl name="bgSibTrans2D1">
+    <dgm:scene3d>
+      <a:camera prst="orthographicFront"/>
+      <a:lightRig rig="threePt" dir="t"/>
+    </dgm:scene3d>
+    <dgm:sp3d/>
+    <dgm:txPr/>
+    <dgm:style>
+      <a:lnRef idx="0">
+        <a:scrgbClr r="0" g="0" b="0"/>
+      </a:lnRef>
+      <a:fillRef idx="1">
+        <a:scrgbClr r="0" g="0" b="0"/>
+      </a:fillRef>
+      <a:effectRef idx="0">
+        <a:scrgbClr r="0" g="0" b="0"/>
+      </a:effectRef>
+      <a:fontRef idx="minor">
+        <a:schemeClr val="lt1"/>
+      </a:fontRef>
+    </dgm:style>
+  </dgm:styleLbl>
+  <dgm:styleLbl name="sibTrans1D1">
+    <dgm:scene3d>
+      <a:camera prst="orthographicFront"/>
+      <a:lightRig rig="threePt" dir="t"/>
+    </dgm:scene3d>
+    <dgm:sp3d/>
+    <dgm:txPr/>
+    <dgm:style>
+      <a:lnRef idx="1">
+        <a:scrgbClr r="0" g="0" b="0"/>
+      </a:lnRef>
+      <a:fillRef idx="0">
+        <a:scrgbClr r="0" g="0" b="0"/>
+      </a:fillRef>
+      <a:effectRef idx="0">
+        <a:scrgbClr r="0" g="0" b="0"/>
+      </a:effectRef>
+      <a:fontRef idx="minor"/>
+    </dgm:style>
+  </dgm:styleLbl>
+  <dgm:styleLbl name="callout">
+    <dgm:scene3d>
+      <a:camera prst="orthographicFront"/>
+      <a:lightRig rig="threePt" dir="t"/>
+    </dgm:scene3d>
+    <dgm:sp3d/>
+    <dgm:txPr/>
+    <dgm:style>
+      <a:lnRef idx="2">
+        <a:scrgbClr r="0" g="0" b="0"/>
+      </a:lnRef>
+      <a:fillRef idx="1">
+        <a:scrgbClr r="0" g="0" b="0"/>
+      </a:fillRef>
+      <a:effectRef idx="0">
+        <a:scrgbClr r="0" g="0" b="0"/>
+      </a:effectRef>
+      <a:fontRef idx="minor"/>
+    </dgm:style>
+  </dgm:styleLbl>
+  <dgm:styleLbl name="asst0">
+    <dgm:scene3d>
+      <a:camera prst="orthographicFront"/>
+      <a:lightRig rig="threePt" dir="t"/>
+    </dgm:scene3d>
+    <dgm:sp3d/>
+    <dgm:txPr/>
+    <dgm:style>
+      <a:lnRef idx="2">
+        <a:scrgbClr r="0" g="0" b="0"/>
+      </a:lnRef>
+      <a:fillRef idx="1">
+        <a:scrgbClr r="0" g="0" b="0"/>
+      </a:fillRef>
+      <a:effectRef idx="0">
+        <a:scrgbClr r="0" g="0" b="0"/>
+      </a:effectRef>
+      <a:fontRef idx="minor">
+        <a:schemeClr val="lt1"/>
+      </a:fontRef>
+    </dgm:style>
+  </dgm:styleLbl>
+  <dgm:styleLbl name="asst1">
+    <dgm:scene3d>
+      <a:camera prst="orthographicFront"/>
+      <a:lightRig rig="threePt" dir="t"/>
+    </dgm:scene3d>
+    <dgm:sp3d/>
+    <dgm:txPr/>
+    <dgm:style>
+      <a:lnRef idx="2">
+        <a:scrgbClr r="0" g="0" b="0"/>
+      </a:lnRef>
+      <a:fillRef idx="1">
+        <a:scrgbClr r="0" g="0" b="0"/>
+      </a:fillRef>
+      <a:effectRef idx="0">
+        <a:scrgbClr r="0" g="0" b="0"/>
+      </a:effectRef>
+      <a:fontRef idx="minor">
+        <a:schemeClr val="lt1"/>
+      </a:fontRef>
+    </dgm:style>
+  </dgm:styleLbl>
+  <dgm:styleLbl name="asst2">
+    <dgm:scene3d>
+      <a:camera prst="orthographicFront"/>
+      <a:lightRig rig="threePt" dir="t"/>
+    </dgm:scene3d>
+    <dgm:sp3d/>
+    <dgm:txPr/>
+    <dgm:style>
+      <a:lnRef idx="2">
+        <a:scrgbClr r="0" g="0" b="0"/>
+      </a:lnRef>
+      <a:fillRef idx="1">
+        <a:scrgbClr r="0" g="0" b="0"/>
+      </a:fillRef>
+      <a:effectRef idx="0">
+        <a:scrgbClr r="0" g="0" b="0"/>
+      </a:effectRef>
+      <a:fontRef idx="minor">
+        <a:schemeClr val="lt1"/>
+      </a:fontRef>
+    </dgm:style>
+  </dgm:styleLbl>
+  <dgm:styleLbl name="asst3">
+    <dgm:scene3d>
+      <a:camera prst="orthographicFront"/>
+      <a:lightRig rig="threePt" dir="t"/>
+    </dgm:scene3d>
+    <dgm:sp3d/>
+    <dgm:txPr/>
+    <dgm:style>
+      <a:lnRef idx="2">
+        <a:scrgbClr r="0" g="0" b="0"/>
+      </a:lnRef>
+      <a:fillRef idx="1">
+        <a:scrgbClr r="0" g="0" b="0"/>
+      </a:fillRef>
+      <a:effectRef idx="0">
+        <a:scrgbClr r="0" g="0" b="0"/>
+      </a:effectRef>
+      <a:fontRef idx="minor">
+        <a:schemeClr val="lt1"/>
+      </a:fontRef>
+    </dgm:style>
+  </dgm:styleLbl>
+  <dgm:styleLbl name="asst4">
+    <dgm:scene3d>
+      <a:camera prst="orthographicFront"/>
+      <a:lightRig rig="threePt" dir="t"/>
+    </dgm:scene3d>
+    <dgm:sp3d/>
+    <dgm:txPr/>
+    <dgm:style>
+      <a:lnRef idx="2">
+        <a:scrgbClr r="0" g="0" b="0"/>
+      </a:lnRef>
+      <a:fillRef idx="1">
+        <a:scrgbClr r="0" g="0" b="0"/>
+      </a:fillRef>
+      <a:effectRef idx="0">
+        <a:scrgbClr r="0" g="0" b="0"/>
+      </a:effectRef>
+      <a:fontRef idx="minor">
+        <a:schemeClr val="lt1"/>
+      </a:fontRef>
+    </dgm:style>
+  </dgm:styleLbl>
+  <dgm:styleLbl name="parChTrans2D1">
+    <dgm:scene3d>
+      <a:camera prst="orthographicFront"/>
+      <a:lightRig rig="threePt" dir="t"/>
+    </dgm:scene3d>
+    <dgm:sp3d/>
+    <dgm:txPr/>
+    <dgm:style>
+      <a:lnRef idx="2">
+        <a:scrgbClr r="0" g="0" b="0"/>
+      </a:lnRef>
+      <a:fillRef idx="1">
+        <a:scrgbClr r="0" g="0" b="0"/>
+      </a:fillRef>
+      <a:effectRef idx="0">
+        <a:scrgbClr r="0" g="0" b="0"/>
+      </a:effectRef>
+      <a:fontRef idx="minor">
+        <a:schemeClr val="lt1"/>
+      </a:fontRef>
+    </dgm:style>
+  </dgm:styleLbl>
+  <dgm:styleLbl name="parChTrans2D2">
+    <dgm:scene3d>
+      <a:camera prst="orthographicFront"/>
+      <a:lightRig rig="threePt" dir="t"/>
+    </dgm:scene3d>
+    <dgm:sp3d/>
+    <dgm:txPr/>
+    <dgm:style>
+      <a:lnRef idx="2">
+        <a:scrgbClr r="0" g="0" b="0"/>
+      </a:lnRef>
+      <a:fillRef idx="1">
+        <a:scrgbClr r="0" g="0" b="0"/>
+      </a:fillRef>
+      <a:effectRef idx="0">
+        <a:scrgbClr r="0" g="0" b="0"/>
+      </a:effectRef>
+      <a:fontRef idx="minor">
+        <a:schemeClr val="lt1"/>
+      </a:fontRef>
+    </dgm:style>
+  </dgm:styleLbl>
+  <dgm:styleLbl name="parChTrans2D3">
+    <dgm:scene3d>
+      <a:camera prst="orthographicFront"/>
+      <a:lightRig rig="threePt" dir="t"/>
+    </dgm:scene3d>
+    <dgm:sp3d/>
+    <dgm:txPr/>
+    <dgm:style>
+      <a:lnRef idx="2">
+        <a:scrgbClr r="0" g="0" b="0"/>
+      </a:lnRef>
+      <a:fillRef idx="1">
+        <a:scrgbClr r="0" g="0" b="0"/>
+      </a:fillRef>
+      <a:effectRef idx="0">
+        <a:scrgbClr r="0" g="0" b="0"/>
+      </a:effectRef>
+      <a:fontRef idx="minor">
+        <a:schemeClr val="lt1"/>
+      </a:fontRef>
+    </dgm:style>
+  </dgm:styleLbl>
+  <dgm:styleLbl name="parChTrans2D4">
+    <dgm:scene3d>
+      <a:camera prst="orthographicFront"/>
+      <a:lightRig rig="threePt" dir="t"/>
+    </dgm:scene3d>
+    <dgm:sp3d/>
+    <dgm:txPr/>
+    <dgm:style>
+      <a:lnRef idx="2">
+        <a:scrgbClr r="0" g="0" b="0"/>
+      </a:lnRef>
+      <a:fillRef idx="1">
+        <a:scrgbClr r="0" g="0" b="0"/>
+      </a:fillRef>
+      <a:effectRef idx="0">
+        <a:scrgbClr r="0" g="0" b="0"/>
+      </a:effectRef>
+      <a:fontRef idx="minor">
+        <a:schemeClr val="lt1"/>
+      </a:fontRef>
+    </dgm:style>
+  </dgm:styleLbl>
+  <dgm:styleLbl name="parChTrans1D1">
+    <dgm:scene3d>
+      <a:camera prst="orthographicFront"/>
+      <a:lightRig rig="threePt" dir="t"/>
+    </dgm:scene3d>
+    <dgm:sp3d/>
+    <dgm:txPr/>
+    <dgm:style>
+      <a:lnRef idx="2">
+        <a:scrgbClr r="0" g="0" b="0"/>
+      </a:lnRef>
+      <a:fillRef idx="0">
+        <a:scrgbClr r="0" g="0" b="0"/>
+      </a:fillRef>
+      <a:effectRef idx="0">
+        <a:scrgbClr r="0" g="0" b="0"/>
+      </a:effectRef>
+      <a:fontRef idx="minor"/>
+    </dgm:style>
+  </dgm:styleLbl>
+  <dgm:styleLbl name="parChTrans1D2">
+    <dgm:scene3d>
+      <a:camera prst="orthographicFront"/>
+      <a:lightRig rig="threePt" dir="t"/>
+    </dgm:scene3d>
+    <dgm:sp3d/>
+    <dgm:txPr/>
+    <dgm:style>
+      <a:lnRef idx="2">
+        <a:scrgbClr r="0" g="0" b="0"/>
+      </a:lnRef>
+      <a:fillRef idx="0">
+        <a:scrgbClr r="0" g="0" b="0"/>
+      </a:fillRef>
+      <a:effectRef idx="0">
+        <a:scrgbClr r="0" g="0" b="0"/>
+      </a:effectRef>
+      <a:fontRef idx="minor"/>
+    </dgm:style>
+  </dgm:styleLbl>
+  <dgm:styleLbl name="parChTrans1D3">
+    <dgm:scene3d>
+      <a:camera prst="orthographicFront"/>
+      <a:lightRig rig="threePt" dir="t"/>
+    </dgm:scene3d>
+    <dgm:sp3d/>
+    <dgm:txPr/>
+    <dgm:style>
+      <a:lnRef idx="2">
+        <a:scrgbClr r="0" g="0" b="0"/>
+      </a:lnRef>
+      <a:fillRef idx="0">
+        <a:scrgbClr r="0" g="0" b="0"/>
+      </a:fillRef>
+      <a:effectRef idx="0">
+        <a:scrgbClr r="0" g="0" b="0"/>
+      </a:effectRef>
+      <a:fontRef idx="minor"/>
+    </dgm:style>
+  </dgm:styleLbl>
+  <dgm:styleLbl name="parChTrans1D4">
+    <dgm:scene3d>
+      <a:camera prst="orthographicFront"/>
+      <a:lightRig rig="threePt" dir="t"/>
+    </dgm:scene3d>
+    <dgm:sp3d/>
+    <dgm:txPr/>
+    <dgm:style>
+      <a:lnRef idx="2">
+        <a:scrgbClr r="0" g="0" b="0"/>
+      </a:lnRef>
+      <a:fillRef idx="0">
+        <a:scrgbClr r="0" g="0" b="0"/>
+      </a:fillRef>
+      <a:effectRef idx="0">
+        <a:scrgbClr r="0" g="0" b="0"/>
+      </a:effectRef>
+      <a:fontRef idx="minor"/>
+    </dgm:style>
+  </dgm:styleLbl>
+  <dgm:styleLbl name="fgAcc1">
+    <dgm:scene3d>
+      <a:camera prst="orthographicFront"/>
+      <a:lightRig rig="threePt" dir="t"/>
+    </dgm:scene3d>
+    <dgm:sp3d/>
+    <dgm:txPr/>
+    <dgm:style>
+      <a:lnRef idx="2">
+        <a:scrgbClr r="0" g="0" b="0"/>
+      </a:lnRef>
+      <a:fillRef idx="1">
+        <a:scrgbClr r="0" g="0" b="0"/>
+      </a:fillRef>
+      <a:effectRef idx="0">
+        <a:scrgbClr r="0" g="0" b="0"/>
+      </a:effectRef>
+      <a:fontRef idx="minor"/>
+    </dgm:style>
+  </dgm:styleLbl>
+  <dgm:styleLbl name="conFgAcc1">
+    <dgm:scene3d>
+      <a:camera prst="orthographicFront"/>
+      <a:lightRig rig="threePt" dir="t"/>
+    </dgm:scene3d>
+    <dgm:sp3d/>
+    <dgm:txPr/>
+    <dgm:style>
+      <a:lnRef idx="2">
+        <a:scrgbClr r="0" g="0" b="0"/>
+      </a:lnRef>
+      <a:fillRef idx="1">
+        <a:scrgbClr r="0" g="0" b="0"/>
+      </a:fillRef>
+      <a:effectRef idx="0">
+        <a:scrgbClr r="0" g="0" b="0"/>
+      </a:effectRef>
+      <a:fontRef idx="minor"/>
+    </dgm:style>
+  </dgm:styleLbl>
+  <dgm:styleLbl name="alignAcc1">
+    <dgm:scene3d>
+      <a:camera prst="orthographicFront"/>
+      <a:lightRig rig="threePt" dir="t"/>
+    </dgm:scene3d>
+    <dgm:sp3d/>
+    <dgm:txPr/>
+    <dgm:style>
+      <a:lnRef idx="2">
+        <a:scrgbClr r="0" g="0" b="0"/>
+      </a:lnRef>
+      <a:fillRef idx="1">
+        <a:scrgbClr r="0" g="0" b="0"/>
+      </a:fillRef>
+      <a:effectRef idx="0">
+        <a:scrgbClr r="0" g="0" b="0"/>
+      </a:effectRef>
+      <a:fontRef idx="minor"/>
+    </dgm:style>
+  </dgm:styleLbl>
+  <dgm:styleLbl name="trAlignAcc1">
+    <dgm:scene3d>
+      <a:camera prst="orthographicFront"/>
+      <a:lightRig rig="threePt" dir="t"/>
+    </dgm:scene3d>
+    <dgm:sp3d/>
+    <dgm:txPr/>
+    <dgm:style>
+      <a:lnRef idx="1">
+        <a:scrgbClr r="0" g="0" b="0"/>
+      </a:lnRef>
+      <a:fillRef idx="1">
+        <a:scrgbClr r="0" g="0" b="0"/>
+      </a:fillRef>
+      <a:effectRef idx="0">
+        <a:scrgbClr r="0" g="0" b="0"/>
+      </a:effectRef>
+      <a:fontRef idx="minor"/>
+    </dgm:style>
+  </dgm:styleLbl>
+  <dgm:styleLbl name="bgAcc1">
+    <dgm:scene3d>
+      <a:camera prst="orthographicFront"/>
+      <a:lightRig rig="threePt" dir="t"/>
+    </dgm:scene3d>
+    <dgm:sp3d/>
+    <dgm:txPr/>
+    <dgm:style>
+      <a:lnRef idx="2">
+        <a:scrgbClr r="0" g="0" b="0"/>
+      </a:lnRef>
+      <a:fillRef idx="1">
+        <a:scrgbClr r="0" g="0" b="0"/>
+      </a:fillRef>
+      <a:effectRef idx="0">
+        <a:scrgbClr r="0" g="0" b="0"/>
+      </a:effectRef>
+      <a:fontRef idx="minor"/>
+    </dgm:style>
+  </dgm:styleLbl>
+  <dgm:styleLbl name="solidFgAcc1">
+    <dgm:scene3d>
+      <a:camera prst="orthographicFront"/>
+      <a:lightRig rig="threePt" dir="t"/>
+    </dgm:scene3d>
+    <dgm:sp3d/>
+    <dgm:txPr/>
+    <dgm:style>
+      <a:lnRef idx="2">
+        <a:scrgbClr r="0" g="0" b="0"/>
+      </a:lnRef>
+      <a:fillRef idx="1">
+        <a:scrgbClr r="0" g="0" b="0"/>
+      </a:fillRef>
+      <a:effectRef idx="0">
+        <a:scrgbClr r="0" g="0" b="0"/>
+      </a:effectRef>
+      <a:fontRef idx="minor"/>
+    </dgm:style>
+  </dgm:styleLbl>
+  <dgm:styleLbl name="solidAlignAcc1">
+    <dgm:scene3d>
+      <a:camera prst="orthographicFront"/>
+      <a:lightRig rig="threePt" dir="t"/>
+    </dgm:scene3d>
+    <dgm:sp3d/>
+    <dgm:txPr/>
+    <dgm:style>
+      <a:lnRef idx="2">
+        <a:scrgbClr r="0" g="0" b="0"/>
+      </a:lnRef>
+      <a:fillRef idx="1">
+        <a:scrgbClr r="0" g="0" b="0"/>
+      </a:fillRef>
+      <a:effectRef idx="0">
+        <a:scrgbClr r="0" g="0" b="0"/>
+      </a:effectRef>
+      <a:fontRef idx="minor"/>
+    </dgm:style>
+  </dgm:styleLbl>
+  <dgm:styleLbl name="solidBgAcc1">
+    <dgm:scene3d>
+      <a:camera prst="orthographicFront"/>
+      <a:lightRig rig="threePt" dir="t"/>
+    </dgm:scene3d>
+    <dgm:sp3d/>
+    <dgm:txPr/>
+    <dgm:style>
+      <a:lnRef idx="2">
+        <a:scrgbClr r="0" g="0" b="0"/>
+      </a:lnRef>
+      <a:fillRef idx="1">
+        <a:scrgbClr r="0" g="0" b="0"/>
+      </a:fillRef>
+      <a:effectRef idx="0">
+        <a:scrgbClr r="0" g="0" b="0"/>
+      </a:effectRef>
+      <a:fontRef idx="minor"/>
+    </dgm:style>
+  </dgm:styleLbl>
+  <dgm:styleLbl name="fgAccFollowNode1">
+    <dgm:scene3d>
+      <a:camera prst="orthographicFront"/>
+      <a:lightRig rig="threePt" dir="t"/>
+    </dgm:scene3d>
+    <dgm:sp3d/>
+    <dgm:txPr/>
+    <dgm:style>
+      <a:lnRef idx="2">
+        <a:scrgbClr r="0" g="0" b="0"/>
+      </a:lnRef>
+      <a:fillRef idx="1">
+        <a:scrgbClr r="0" g="0" b="0"/>
+      </a:fillRef>
+      <a:effectRef idx="0">
+        <a:scrgbClr r="0" g="0" b="0"/>
+      </a:effectRef>
+      <a:fontRef idx="minor"/>
+    </dgm:style>
+  </dgm:styleLbl>
+  <dgm:styleLbl name="alignAccFollowNode1">
+    <dgm:scene3d>
+      <a:camera prst="orthographicFront"/>
+      <a:lightRig rig="threePt" dir="t"/>
+    </dgm:scene3d>
+    <dgm:sp3d/>
+    <dgm:txPr/>
+    <dgm:style>
+      <a:lnRef idx="2">
+        <a:scrgbClr r="0" g="0" b="0"/>
+      </a:lnRef>
+      <a:fillRef idx="1">
+        <a:scrgbClr r="0" g="0" b="0"/>
+      </a:fillRef>
+      <a:effectRef idx="0">
+        <a:scrgbClr r="0" g="0" b="0"/>
+      </a:effectRef>
+      <a:fontRef idx="minor"/>
+    </dgm:style>
+  </dgm:styleLbl>
+  <dgm:styleLbl name="bgAccFollowNode1">
+    <dgm:scene3d>
+      <a:camera prst="orthographicFront"/>
+      <a:lightRig rig="threePt" dir="t"/>
+    </dgm:scene3d>
+    <dgm:sp3d/>
+    <dgm:txPr/>
+    <dgm:style>
+      <a:lnRef idx="2">
+        <a:scrgbClr r="0" g="0" b="0"/>
+      </a:lnRef>
+      <a:fillRef idx="1">
+        <a:scrgbClr r="0" g="0" b="0"/>
+      </a:fillRef>
+      <a:effectRef idx="0">
+        <a:scrgbClr r="0" g="0" b="0"/>
+      </a:effectRef>
+      <a:fontRef idx="minor"/>
+    </dgm:style>
+  </dgm:styleLbl>
+  <dgm:styleLbl name="fgAcc0">
+    <dgm:scene3d>
+      <a:camera prst="orthographicFront"/>
+      <a:lightRig rig="threePt" dir="t"/>
+    </dgm:scene3d>
+    <dgm:sp3d/>
+    <dgm:txPr/>
+    <dgm:style>
+      <a:lnRef idx="2">
+        <a:scrgbClr r="0" g="0" b="0"/>
+      </a:lnRef>
+      <a:fillRef idx="1">
+        <a:scrgbClr r="0" g="0" b="0"/>
+      </a:fillRef>
+      <a:effectRef idx="0">
+        <a:scrgbClr r="0" g="0" b="0"/>
+      </a:effectRef>
+      <a:fontRef idx="minor"/>
+    </dgm:style>
+  </dgm:styleLbl>
+  <dgm:styleLbl name="fgAcc2">
+    <dgm:scene3d>
+      <a:camera prst="orthographicFront"/>
+      <a:lightRig rig="threePt" dir="t"/>
+    </dgm:scene3d>
+    <dgm:sp3d/>
+    <dgm:txPr/>
+    <dgm:style>
+      <a:lnRef idx="2">
+        <a:scrgbClr r="0" g="0" b="0"/>
+      </a:lnRef>
+      <a:fillRef idx="1">
+        <a:scrgbClr r="0" g="0" b="0"/>
+      </a:fillRef>
+      <a:effectRef idx="0">
+        <a:scrgbClr r="0" g="0" b="0"/>
+      </a:effectRef>
+      <a:fontRef idx="minor"/>
+    </dgm:style>
+  </dgm:styleLbl>
+  <dgm:styleLbl name="fgAcc3">
+    <dgm:scene3d>
+      <a:camera prst="orthographicFront"/>
+      <a:lightRig rig="threePt" dir="t"/>
+    </dgm:scene3d>
+    <dgm:sp3d/>
+    <dgm:txPr/>
+    <dgm:style>
+      <a:lnRef idx="2">
+        <a:scrgbClr r="0" g="0" b="0"/>
+      </a:lnRef>
+      <a:fillRef idx="1">
+        <a:scrgbClr r="0" g="0" b="0"/>
+      </a:fillRef>
+      <a:effectRef idx="0">
+        <a:scrgbClr r="0" g="0" b="0"/>
+      </a:effectRef>
+      <a:fontRef idx="minor"/>
+    </dgm:style>
+  </dgm:styleLbl>
+  <dgm:styleLbl name="fgAcc4">
+    <dgm:scene3d>
+      <a:camera prst="orthographicFront"/>
+      <a:lightRig rig="threePt" dir="t"/>
+    </dgm:scene3d>
+    <dgm:sp3d/>
+    <dgm:txPr/>
+    <dgm:style>
+      <a:lnRef idx="2">
+        <a:scrgbClr r="0" g="0" b="0"/>
+      </a:lnRef>
+      <a:fillRef idx="1">
+        <a:scrgbClr r="0" g="0" b="0"/>
+      </a:fillRef>
+      <a:effectRef idx="0">
+        <a:scrgbClr r="0" g="0" b="0"/>
+      </a:effectRef>
+      <a:fontRef idx="minor"/>
+    </dgm:style>
+  </dgm:styleLbl>
+  <dgm:styleLbl name="bgShp">
+    <dgm:scene3d>
+      <a:camera prst="orthographicFront"/>
+      <a:lightRig rig="threePt" dir="t"/>
+    </dgm:scene3d>
+    <dgm:sp3d/>
+    <dgm:txPr/>
+    <dgm:style>
+      <a:lnRef idx="0">
+        <a:scrgbClr r="0" g="0" b="0"/>
+      </a:lnRef>
+      <a:fillRef idx="1">
+        <a:scrgbClr r="0" g="0" b="0"/>
+      </a:fillRef>
+      <a:effectRef idx="0">
+        <a:scrgbClr r="0" g="0" b="0"/>
+      </a:effectRef>
+      <a:fontRef idx="minor"/>
+    </dgm:style>
+  </dgm:styleLbl>
+  <dgm:styleLbl name="dkBgShp">
+    <dgm:scene3d>
+      <a:camera prst="orthographicFront"/>
+      <a:lightRig rig="threePt" dir="t"/>
+    </dgm:scene3d>
+    <dgm:sp3d/>
+    <dgm:txPr/>
+    <dgm:style>
+      <a:lnRef idx="0">
+        <a:scrgbClr r="0" g="0" b="0"/>
+      </a:lnRef>
+      <a:fillRef idx="1">
+        <a:scrgbClr r="0" g="0" b="0"/>
+      </a:fillRef>
+      <a:effectRef idx="0">
+        <a:scrgbClr r="0" g="0" b="0"/>
+      </a:effectRef>
+      <a:fontRef idx="minor"/>
+    </dgm:style>
+  </dgm:styleLbl>
+  <dgm:styleLbl name="trBgShp">
+    <dgm:scene3d>
+      <a:camera prst="orthographicFront"/>
+      <a:lightRig rig="threePt" dir="t"/>
+    </dgm:scene3d>
+    <dgm:sp3d/>
+    <dgm:txPr/>
+    <dgm:style>
+      <a:lnRef idx="0">
+        <a:scrgbClr r="0" g="0" b="0"/>
+      </a:lnRef>
+      <a:fillRef idx="1">
+        <a:scrgbClr r="0" g="0" b="0"/>
+      </a:fillRef>
+      <a:effectRef idx="0">
+        <a:scrgbClr r="0" g="0" b="0"/>
+      </a:effectRef>
+      <a:fontRef idx="minor"/>
+    </dgm:style>
+  </dgm:styleLbl>
+  <dgm:styleLbl name="fgShp">
+    <dgm:scene3d>
+      <a:camera prst="orthographicFront"/>
+      <a:lightRig rig="threePt" dir="t"/>
+    </dgm:scene3d>
+    <dgm:sp3d/>
+    <dgm:txPr/>
+    <dgm:style>
+      <a:lnRef idx="2">
+        <a:scrgbClr r="0" g="0" b="0"/>
+      </a:lnRef>
+      <a:fillRef idx="1">
+        <a:scrgbClr r="0" g="0" b="0"/>
+      </a:fillRef>
+      <a:effectRef idx="0">
+        <a:scrgbClr r="0" g="0" b="0"/>
+      </a:effectRef>
+      <a:fontRef idx="minor"/>
+    </dgm:style>
+  </dgm:styleLbl>
+  <dgm:styleLbl name="revTx">
+    <dgm:scene3d>
+      <a:camera prst="orthographicFront"/>
+      <a:lightRig rig="threePt" dir="t"/>
+    </dgm:scene3d>
+    <dgm:sp3d/>
+    <dgm:txPr/>
+    <dgm:style>
+      <a:lnRef idx="0">
+        <a:scrgbClr r="0" g="0" b="0"/>
+      </a:lnRef>
+      <a:fillRef idx="0">
+        <a:scrgbClr r="0" g="0" b="0"/>
+      </a:fillRef>
+      <a:effectRef idx="0">
+        <a:scrgbClr r="0" g="0" b="0"/>
+      </a:effectRef>
+      <a:fontRef idx="minor"/>
+    </dgm:style>
+  </dgm:styleLbl>
+</dgm:styleDef>
+</file>
+
+<file path=ppt/diagrams/quickStyle3.xml><?xml version="1.0" encoding="utf-8"?>
 <dgm:styleDef xmlns:dgm="http://schemas.openxmlformats.org/drawingml/2006/diagram" xmlns:a="http://schemas.openxmlformats.org/drawingml/2006/main" uniqueId="urn:microsoft.com/office/officeart/2005/8/quickstyle/simple1">
   <dgm:title val=""/>
   <dgm:desc val=""/>
@@ -12484,6 +15496,30 @@
 <file path=ppt/slides/slide6.xml><?xml version="1.0" encoding="utf-8"?>
 <p:sld xmlns:a="http://schemas.openxmlformats.org/drawingml/2006/main" xmlns:r="http://schemas.openxmlformats.org/officeDocument/2006/relationships" xmlns:p="http://schemas.openxmlformats.org/presentationml/2006/main">
   <p:cSld>
+    <p:bg>
+      <p:bgPr>
+        <a:gradFill rotWithShape="1">
+          <a:gsLst>
+            <a:gs pos="0">
+              <a:schemeClr val="bg2">
+                <a:tint val="94000"/>
+                <a:satMod val="80000"/>
+                <a:lumMod val="106000"/>
+              </a:schemeClr>
+            </a:gs>
+            <a:gs pos="100000">
+              <a:schemeClr val="bg2">
+                <a:shade val="80000"/>
+              </a:schemeClr>
+            </a:gs>
+          </a:gsLst>
+          <a:path path="circle">
+            <a:fillToRect l="43000" r="43000" b="100000"/>
+          </a:path>
+        </a:gradFill>
+        <a:effectLst/>
+      </p:bgPr>
+    </p:bg>
     <p:spTree>
       <p:nvGrpSpPr>
         <p:cNvPr id="1" name=""/>
@@ -12498,6 +15534,140 @@
           <a:chExt cx="0" cy="0"/>
         </a:xfrm>
       </p:grpSpPr>
+      <p:sp useBgFill="1">
+        <p:nvSpPr>
+          <p:cNvPr id="34" name="Rectangle 33">
+            <a:extLst>
+              <a:ext uri="{FF2B5EF4-FFF2-40B4-BE49-F238E27FC236}">
+                <a16:creationId xmlns:a16="http://schemas.microsoft.com/office/drawing/2014/main" id="{1A86B93D-0879-4BC3-B616-90E504482842}"/>
+              </a:ext>
+              <a:ext uri="{C183D7F6-B498-43B3-948B-1728B52AA6E4}">
+                <adec:decorative xmlns:adec="http://schemas.microsoft.com/office/drawing/2017/decorative" val="1"/>
+              </a:ext>
+            </a:extLst>
+          </p:cNvPr>
+          <p:cNvSpPr>
+            <a:spLocks noGrp="1" noRot="1" noChangeAspect="1" noMove="1" noResize="1" noEditPoints="1" noAdjustHandles="1" noChangeArrowheads="1" noChangeShapeType="1" noTextEdit="1"/>
+          </p:cNvSpPr>
+          <p:nvPr>
+            <p:extLst>
+              <p:ext uri="{386F3935-93C4-4BCD-93E2-E3B085C9AB24}">
+                <p16:designElem xmlns:p16="http://schemas.microsoft.com/office/powerpoint/2015/main" val="1"/>
+              </p:ext>
+            </p:extLst>
+          </p:nvPr>
+        </p:nvSpPr>
+        <p:spPr>
+          <a:xfrm>
+            <a:off x="2" y="0"/>
+            <a:ext cx="12191695" cy="6858000"/>
+          </a:xfrm>
+          <a:prstGeom prst="rect">
+            <a:avLst/>
+          </a:prstGeom>
+          <a:ln>
+            <a:noFill/>
+          </a:ln>
+        </p:spPr>
+        <p:style>
+          <a:lnRef idx="2">
+            <a:schemeClr val="accent1">
+              <a:shade val="50000"/>
+            </a:schemeClr>
+          </a:lnRef>
+          <a:fillRef idx="1">
+            <a:schemeClr val="accent1"/>
+          </a:fillRef>
+          <a:effectRef idx="0">
+            <a:schemeClr val="accent1"/>
+          </a:effectRef>
+          <a:fontRef idx="minor">
+            <a:schemeClr val="lt1"/>
+          </a:fontRef>
+        </p:style>
+        <p:txBody>
+          <a:bodyPr rtlCol="0" anchor="ctr"/>
+          <a:lstStyle/>
+          <a:p>
+            <a:pPr algn="ctr"/>
+            <a:endParaRPr lang="en-US"/>
+          </a:p>
+        </p:txBody>
+      </p:sp>
+      <p:sp>
+        <p:nvSpPr>
+          <p:cNvPr id="36" name="Rectangle 35">
+            <a:extLst>
+              <a:ext uri="{FF2B5EF4-FFF2-40B4-BE49-F238E27FC236}">
+                <a16:creationId xmlns:a16="http://schemas.microsoft.com/office/drawing/2014/main" id="{720E885D-F4D2-48FD-95D9-DA0751F3D6E2}"/>
+              </a:ext>
+              <a:ext uri="{C183D7F6-B498-43B3-948B-1728B52AA6E4}">
+                <adec:decorative xmlns:adec="http://schemas.microsoft.com/office/drawing/2017/decorative" val="1"/>
+              </a:ext>
+            </a:extLst>
+          </p:cNvPr>
+          <p:cNvSpPr>
+            <a:spLocks noGrp="1" noRot="1" noChangeAspect="1" noMove="1" noResize="1" noEditPoints="1" noAdjustHandles="1" noChangeArrowheads="1" noChangeShapeType="1" noTextEdit="1"/>
+          </p:cNvSpPr>
+          <p:nvPr>
+            <p:extLst>
+              <p:ext uri="{386F3935-93C4-4BCD-93E2-E3B085C9AB24}">
+                <p16:designElem xmlns:p16="http://schemas.microsoft.com/office/powerpoint/2015/main" val="1"/>
+              </p:ext>
+            </p:extLst>
+          </p:nvPr>
+        </p:nvSpPr>
+        <p:spPr>
+          <a:xfrm>
+            <a:off x="0" y="2019476"/>
+            <a:ext cx="12192000" cy="4838524"/>
+          </a:xfrm>
+          <a:prstGeom prst="rect">
+            <a:avLst/>
+          </a:prstGeom>
+          <a:gradFill flip="none" rotWithShape="1">
+            <a:gsLst>
+              <a:gs pos="0">
+                <a:schemeClr val="bg2">
+                  <a:alpha val="0"/>
+                </a:schemeClr>
+              </a:gs>
+              <a:gs pos="100000">
+                <a:schemeClr val="bg2"/>
+              </a:gs>
+            </a:gsLst>
+            <a:lin ang="5400000" scaled="0"/>
+            <a:tileRect/>
+          </a:gradFill>
+          <a:ln>
+            <a:noFill/>
+          </a:ln>
+        </p:spPr>
+        <p:style>
+          <a:lnRef idx="2">
+            <a:schemeClr val="accent1">
+              <a:shade val="50000"/>
+            </a:schemeClr>
+          </a:lnRef>
+          <a:fillRef idx="1">
+            <a:schemeClr val="accent1"/>
+          </a:fillRef>
+          <a:effectRef idx="0">
+            <a:schemeClr val="accent1"/>
+          </a:effectRef>
+          <a:fontRef idx="minor">
+            <a:schemeClr val="lt1"/>
+          </a:fontRef>
+        </p:style>
+        <p:txBody>
+          <a:bodyPr rtlCol="0" anchor="ctr"/>
+          <a:lstStyle/>
+          <a:p>
+            <a:pPr lvl="0" algn="ctr"/>
+            <a:endParaRPr lang="en-US"/>
+          </a:p>
+        </p:txBody>
+      </p:sp>
       <p:sp>
         <p:nvSpPr>
           <p:cNvPr id="2" name="Title 1">
@@ -12514,9 +15684,16 @@
             <p:ph type="title"/>
           </p:nvPr>
         </p:nvSpPr>
-        <p:spPr/>
+        <p:spPr>
+          <a:xfrm>
+            <a:off x="7555992" y="2307409"/>
+            <a:ext cx="3157577" cy="3747316"/>
+          </a:xfrm>
+        </p:spPr>
         <p:txBody>
-          <a:bodyPr/>
+          <a:bodyPr anchor="t">
+            <a:normAutofit/>
+          </a:bodyPr>
           <a:lstStyle/>
           <a:p>
             <a:r>
@@ -12526,38 +15703,994 @@
           </a:p>
         </p:txBody>
       </p:sp>
-      <p:sp>
-        <p:nvSpPr>
-          <p:cNvPr id="3" name="Content Placeholder 2">
+      <p:cxnSp>
+        <p:nvCxnSpPr>
+          <p:cNvPr id="38" name="Straight Connector 37">
             <a:extLst>
               <a:ext uri="{FF2B5EF4-FFF2-40B4-BE49-F238E27FC236}">
-                <a16:creationId xmlns:a16="http://schemas.microsoft.com/office/drawing/2014/main" id="{93028083-C959-2544-A4C9-524B6A606CC2}"/>
+                <a16:creationId xmlns:a16="http://schemas.microsoft.com/office/drawing/2014/main" id="{39EC1CB8-4497-451C-9F6C-6BC9B650565D}"/>
+              </a:ext>
+              <a:ext uri="{C183D7F6-B498-43B3-948B-1728B52AA6E4}">
+                <adec:decorative xmlns:adec="http://schemas.microsoft.com/office/drawing/2017/decorative" val="1"/>
               </a:ext>
             </a:extLst>
           </p:cNvPr>
-          <p:cNvSpPr>
-            <a:spLocks noGrp="1"/>
+          <p:cNvCxnSpPr>
+            <a:cxnSpLocks noGrp="1" noRot="1" noChangeAspect="1" noMove="1" noResize="1" noEditPoints="1" noAdjustHandles="1" noChangeArrowheads="1" noChangeShapeType="1"/>
+          </p:cNvCxnSpPr>
+          <p:nvPr>
+            <p:extLst>
+              <p:ext uri="{386F3935-93C4-4BCD-93E2-E3B085C9AB24}">
+                <p16:designElem xmlns:p16="http://schemas.microsoft.com/office/powerpoint/2015/main" val="1"/>
+              </p:ext>
+            </p:extLst>
+          </p:nvPr>
+        </p:nvCxnSpPr>
+        <p:spPr>
+          <a:xfrm>
+            <a:off x="7555992" y="2146542"/>
+            <a:ext cx="3157578" cy="0"/>
+          </a:xfrm>
+          <a:prstGeom prst="line">
+            <a:avLst/>
+          </a:prstGeom>
+          <a:ln w="31750"/>
+        </p:spPr>
+        <p:style>
+          <a:lnRef idx="3">
+            <a:schemeClr val="accent1"/>
+          </a:lnRef>
+          <a:fillRef idx="0">
+            <a:schemeClr val="accent1"/>
+          </a:fillRef>
+          <a:effectRef idx="2">
+            <a:schemeClr val="accent1"/>
+          </a:effectRef>
+          <a:fontRef idx="minor">
+            <a:schemeClr val="tx1"/>
+          </a:fontRef>
+        </p:style>
+      </p:cxnSp>
+      <p:sp>
+        <p:nvSpPr>
+          <p:cNvPr id="40" name="Title 1">
+            <a:extLst>
+              <a:ext uri="{FF2B5EF4-FFF2-40B4-BE49-F238E27FC236}">
+                <a16:creationId xmlns:a16="http://schemas.microsoft.com/office/drawing/2014/main" id="{A599AF7C-8D7E-4D1B-AB28-587084B3DEF2}"/>
+              </a:ext>
+              <a:ext uri="{C183D7F6-B498-43B3-948B-1728B52AA6E4}">
+                <adec:decorative xmlns:adec="http://schemas.microsoft.com/office/drawing/2017/decorative" val="1"/>
+              </a:ext>
+            </a:extLst>
+          </p:cNvPr>
+          <p:cNvSpPr txBox="1">
+            <a:spLocks noGrp="1" noRot="1" noChangeAspect="1" noMove="1" noResize="1" noEditPoints="1" noAdjustHandles="1" noChangeArrowheads="1" noChangeShapeType="1" noTextEdit="1"/>
           </p:cNvSpPr>
           <p:nvPr>
-            <p:ph idx="1"/>
+            <p:extLst>
+              <p:ext uri="{386F3935-93C4-4BCD-93E2-E3B085C9AB24}">
+                <p16:designElem xmlns:p16="http://schemas.microsoft.com/office/powerpoint/2015/main" val="1"/>
+              </p:ext>
+            </p:extLst>
           </p:nvPr>
         </p:nvSpPr>
-        <p:spPr/>
+        <p:spPr>
+          <a:xfrm>
+            <a:off x="1451580" y="3122496"/>
+            <a:ext cx="3530157" cy="1049235"/>
+          </a:xfrm>
+          <a:prstGeom prst="rect">
+            <a:avLst/>
+          </a:prstGeom>
+        </p:spPr>
         <p:txBody>
-          <a:bodyPr/>
+          <a:bodyPr vert="horz" lIns="91440" tIns="45720" rIns="91440" bIns="45720" rtlCol="0" anchor="t">
+            <a:normAutofit/>
+          </a:bodyPr>
+          <a:lstStyle>
+            <a:lvl1pPr algn="l" defTabSz="914400" rtl="0" eaLnBrk="1" latinLnBrk="0" hangingPunct="1">
+              <a:lnSpc>
+                <a:spcPct val="90000"/>
+              </a:lnSpc>
+              <a:spcBef>
+                <a:spcPct val="0"/>
+              </a:spcBef>
+              <a:buNone/>
+              <a:defRPr sz="3200" b="0" i="0" kern="1200" cap="all">
+                <a:solidFill>
+                  <a:schemeClr val="tx1"/>
+                </a:solidFill>
+                <a:effectLst/>
+                <a:latin typeface="+mj-lt"/>
+                <a:ea typeface="+mj-ea"/>
+                <a:cs typeface="+mj-cs"/>
+              </a:defRPr>
+            </a:lvl1pPr>
+          </a:lstStyle>
+          <a:p>
+            <a:endParaRPr lang="en-US" dirty="0"/>
+          </a:p>
+        </p:txBody>
+      </p:sp>
+      <p:graphicFrame>
+        <p:nvGraphicFramePr>
+          <p:cNvPr id="5" name="Content Placeholder 2">
+            <a:extLst>
+              <a:ext uri="{FF2B5EF4-FFF2-40B4-BE49-F238E27FC236}">
+                <a16:creationId xmlns:a16="http://schemas.microsoft.com/office/drawing/2014/main" id="{C068E291-D6EF-41B6-8AE5-053E8EC08575}"/>
+              </a:ext>
+            </a:extLst>
+          </p:cNvPr>
+          <p:cNvGraphicFramePr>
+            <a:graphicFrameLocks noGrp="1"/>
+          </p:cNvGraphicFramePr>
+          <p:nvPr>
+            <p:ph idx="1"/>
+            <p:extLst>
+              <p:ext uri="{D42A27DB-BD31-4B8C-83A1-F6EECF244321}">
+                <p14:modId xmlns:p14="http://schemas.microsoft.com/office/powerpoint/2010/main" val="4170866045"/>
+              </p:ext>
+            </p:extLst>
+          </p:nvPr>
+        </p:nvGraphicFramePr>
+        <p:xfrm>
+          <a:off x="310847" y="803275"/>
+          <a:ext cx="5913437" cy="5251450"/>
+        </p:xfrm>
+        <a:graphic>
+          <a:graphicData uri="http://schemas.openxmlformats.org/drawingml/2006/diagram">
+            <dgm:relIds xmlns:dgm="http://schemas.openxmlformats.org/drawingml/2006/diagram" xmlns:r="http://schemas.openxmlformats.org/officeDocument/2006/relationships" r:dm="rId2" r:lo="rId3" r:qs="rId4" r:cs="rId5"/>
+          </a:graphicData>
+        </a:graphic>
+      </p:graphicFrame>
+      <p:graphicFrame>
+        <p:nvGraphicFramePr>
+          <p:cNvPr id="6" name="Table 5">
+            <a:extLst>
+              <a:ext uri="{FF2B5EF4-FFF2-40B4-BE49-F238E27FC236}">
+                <a16:creationId xmlns:a16="http://schemas.microsoft.com/office/drawing/2014/main" id="{8976B0F9-1E50-DD47-AD54-7C7176A0F936}"/>
+              </a:ext>
+            </a:extLst>
+          </p:cNvPr>
+          <p:cNvGraphicFramePr>
+            <a:graphicFrameLocks noGrp="1"/>
+          </p:cNvGraphicFramePr>
+          <p:nvPr>
+            <p:extLst>
+              <p:ext uri="{D42A27DB-BD31-4B8C-83A1-F6EECF244321}">
+                <p14:modId xmlns:p14="http://schemas.microsoft.com/office/powerpoint/2010/main" val="3645557158"/>
+              </p:ext>
+            </p:extLst>
+          </p:nvPr>
+        </p:nvGraphicFramePr>
+        <p:xfrm>
+          <a:off x="6032182" y="3373221"/>
+          <a:ext cx="5725160" cy="1211792"/>
+        </p:xfrm>
+        <a:graphic>
+          <a:graphicData uri="http://schemas.openxmlformats.org/drawingml/2006/table">
+            <a:tbl>
+              <a:tblPr firstRow="1" firstCol="1" bandRow="1">
+                <a:tableStyleId>{5C22544A-7EE6-4342-B048-85BDC9FD1C3A}</a:tableStyleId>
+              </a:tblPr>
+              <a:tblGrid>
+                <a:gridCol w="1908175">
+                  <a:extLst>
+                    <a:ext uri="{9D8B030D-6E8A-4147-A177-3AD203B41FA5}">
+                      <a16:colId xmlns:a16="http://schemas.microsoft.com/office/drawing/2014/main" val="4002309696"/>
+                    </a:ext>
+                  </a:extLst>
+                </a:gridCol>
+                <a:gridCol w="1908175">
+                  <a:extLst>
+                    <a:ext uri="{9D8B030D-6E8A-4147-A177-3AD203B41FA5}">
+                      <a16:colId xmlns:a16="http://schemas.microsoft.com/office/drawing/2014/main" val="180666230"/>
+                    </a:ext>
+                  </a:extLst>
+                </a:gridCol>
+                <a:gridCol w="1908810">
+                  <a:extLst>
+                    <a:ext uri="{9D8B030D-6E8A-4147-A177-3AD203B41FA5}">
+                      <a16:colId xmlns:a16="http://schemas.microsoft.com/office/drawing/2014/main" val="2679081499"/>
+                    </a:ext>
+                  </a:extLst>
+                </a:gridCol>
+              </a:tblGrid>
+              <a:tr h="302948">
+                <a:tc>
+                  <a:txBody>
+                    <a:bodyPr/>
+                    <a:lstStyle/>
+                    <a:p>
+                      <a:pPr>
+                        <a:lnSpc>
+                          <a:spcPct val="107000"/>
+                        </a:lnSpc>
+                        <a:spcAft>
+                          <a:spcPts val="0"/>
+                        </a:spcAft>
+                      </a:pPr>
+                      <a:r>
+                        <a:rPr lang="en-US" sz="1100">
+                          <a:effectLst/>
+                        </a:rPr>
+                        <a:t>Algorithm</a:t>
+                      </a:r>
+                      <a:endParaRPr lang="en-IN" sz="1100">
+                        <a:effectLst/>
+                        <a:latin typeface="Calibri" panose="020F0502020204030204" pitchFamily="34" charset="0"/>
+                        <a:ea typeface="Calibri" panose="020F0502020204030204" pitchFamily="34" charset="0"/>
+                        <a:cs typeface="Times New Roman" panose="02020603050405020304" pitchFamily="18" charset="0"/>
+                      </a:endParaRPr>
+                    </a:p>
+                  </a:txBody>
+                  <a:tcPr marL="68580" marR="68580" marT="0" marB="0"/>
+                </a:tc>
+                <a:tc>
+                  <a:txBody>
+                    <a:bodyPr/>
+                    <a:lstStyle/>
+                    <a:p>
+                      <a:pPr>
+                        <a:lnSpc>
+                          <a:spcPct val="107000"/>
+                        </a:lnSpc>
+                        <a:spcAft>
+                          <a:spcPts val="0"/>
+                        </a:spcAft>
+                      </a:pPr>
+                      <a:r>
+                        <a:rPr lang="en-US" sz="1100">
+                          <a:effectLst/>
+                        </a:rPr>
+                        <a:t>RMSE</a:t>
+                      </a:r>
+                      <a:endParaRPr lang="en-IN" sz="1100">
+                        <a:effectLst/>
+                        <a:latin typeface="Calibri" panose="020F0502020204030204" pitchFamily="34" charset="0"/>
+                        <a:ea typeface="Calibri" panose="020F0502020204030204" pitchFamily="34" charset="0"/>
+                        <a:cs typeface="Times New Roman" panose="02020603050405020304" pitchFamily="18" charset="0"/>
+                      </a:endParaRPr>
+                    </a:p>
+                  </a:txBody>
+                  <a:tcPr marL="68580" marR="68580" marT="0" marB="0"/>
+                </a:tc>
+                <a:tc>
+                  <a:txBody>
+                    <a:bodyPr/>
+                    <a:lstStyle/>
+                    <a:p>
+                      <a:pPr>
+                        <a:lnSpc>
+                          <a:spcPct val="107000"/>
+                        </a:lnSpc>
+                        <a:spcAft>
+                          <a:spcPts val="0"/>
+                        </a:spcAft>
+                      </a:pPr>
+                      <a:r>
+                        <a:rPr lang="en-US" sz="1100">
+                          <a:effectLst/>
+                        </a:rPr>
+                        <a:t>MAPE</a:t>
+                      </a:r>
+                      <a:endParaRPr lang="en-IN" sz="1100">
+                        <a:effectLst/>
+                        <a:latin typeface="Calibri" panose="020F0502020204030204" pitchFamily="34" charset="0"/>
+                        <a:ea typeface="Calibri" panose="020F0502020204030204" pitchFamily="34" charset="0"/>
+                        <a:cs typeface="Times New Roman" panose="02020603050405020304" pitchFamily="18" charset="0"/>
+                      </a:endParaRPr>
+                    </a:p>
+                  </a:txBody>
+                  <a:tcPr marL="68580" marR="68580" marT="0" marB="0"/>
+                </a:tc>
+                <a:extLst>
+                  <a:ext uri="{0D108BD9-81ED-4DB2-BD59-A6C34878D82A}">
+                    <a16:rowId xmlns:a16="http://schemas.microsoft.com/office/drawing/2014/main" val="576725227"/>
+                  </a:ext>
+                </a:extLst>
+              </a:tr>
+              <a:tr h="302948">
+                <a:tc>
+                  <a:txBody>
+                    <a:bodyPr/>
+                    <a:lstStyle/>
+                    <a:p>
+                      <a:pPr>
+                        <a:lnSpc>
+                          <a:spcPct val="107000"/>
+                        </a:lnSpc>
+                        <a:spcAft>
+                          <a:spcPts val="0"/>
+                        </a:spcAft>
+                      </a:pPr>
+                      <a:r>
+                        <a:rPr lang="en-US" sz="1100">
+                          <a:effectLst/>
+                        </a:rPr>
+                        <a:t>CART</a:t>
+                      </a:r>
+                      <a:endParaRPr lang="en-IN" sz="1100">
+                        <a:effectLst/>
+                        <a:latin typeface="Calibri" panose="020F0502020204030204" pitchFamily="34" charset="0"/>
+                        <a:ea typeface="Calibri" panose="020F0502020204030204" pitchFamily="34" charset="0"/>
+                        <a:cs typeface="Times New Roman" panose="02020603050405020304" pitchFamily="18" charset="0"/>
+                      </a:endParaRPr>
+                    </a:p>
+                  </a:txBody>
+                  <a:tcPr marL="68580" marR="68580" marT="0" marB="0"/>
+                </a:tc>
+                <a:tc>
+                  <a:txBody>
+                    <a:bodyPr/>
+                    <a:lstStyle/>
+                    <a:p>
+                      <a:r>
+                        <a:rPr lang="en-US" sz="1100">
+                          <a:effectLst/>
+                        </a:rPr>
+                        <a:t>234357.19</a:t>
+                      </a:r>
+                      <a:endParaRPr lang="en-IN" sz="1100">
+                        <a:effectLst/>
+                        <a:latin typeface="Calibri" panose="020F0502020204030204" pitchFamily="34" charset="0"/>
+                        <a:cs typeface="Times New Roman" panose="02020603050405020304" pitchFamily="18" charset="0"/>
+                      </a:endParaRPr>
+                    </a:p>
+                  </a:txBody>
+                  <a:tcPr marL="68580" marR="68580" marT="0" marB="0"/>
+                </a:tc>
+                <a:tc>
+                  <a:txBody>
+                    <a:bodyPr/>
+                    <a:lstStyle/>
+                    <a:p>
+                      <a:pPr>
+                        <a:lnSpc>
+                          <a:spcPct val="107000"/>
+                        </a:lnSpc>
+                        <a:spcAft>
+                          <a:spcPts val="0"/>
+                        </a:spcAft>
+                      </a:pPr>
+                      <a:r>
+                        <a:rPr lang="en-US" sz="1100">
+                          <a:effectLst/>
+                        </a:rPr>
+                        <a:t>32.08%</a:t>
+                      </a:r>
+                      <a:endParaRPr lang="en-IN" sz="1100">
+                        <a:effectLst/>
+                        <a:latin typeface="Calibri" panose="020F0502020204030204" pitchFamily="34" charset="0"/>
+                        <a:ea typeface="Calibri" panose="020F0502020204030204" pitchFamily="34" charset="0"/>
+                        <a:cs typeface="Times New Roman" panose="02020603050405020304" pitchFamily="18" charset="0"/>
+                      </a:endParaRPr>
+                    </a:p>
+                  </a:txBody>
+                  <a:tcPr marL="68580" marR="68580" marT="0" marB="0"/>
+                </a:tc>
+                <a:extLst>
+                  <a:ext uri="{0D108BD9-81ED-4DB2-BD59-A6C34878D82A}">
+                    <a16:rowId xmlns:a16="http://schemas.microsoft.com/office/drawing/2014/main" val="2960711123"/>
+                  </a:ext>
+                </a:extLst>
+              </a:tr>
+              <a:tr h="302948">
+                <a:tc>
+                  <a:txBody>
+                    <a:bodyPr/>
+                    <a:lstStyle/>
+                    <a:p>
+                      <a:pPr>
+                        <a:lnSpc>
+                          <a:spcPct val="107000"/>
+                        </a:lnSpc>
+                        <a:spcAft>
+                          <a:spcPts val="0"/>
+                        </a:spcAft>
+                      </a:pPr>
+                      <a:r>
+                        <a:rPr lang="en-US" sz="1100">
+                          <a:effectLst/>
+                        </a:rPr>
+                        <a:t>RF</a:t>
+                      </a:r>
+                      <a:endParaRPr lang="en-IN" sz="1100">
+                        <a:effectLst/>
+                        <a:latin typeface="Calibri" panose="020F0502020204030204" pitchFamily="34" charset="0"/>
+                        <a:ea typeface="Calibri" panose="020F0502020204030204" pitchFamily="34" charset="0"/>
+                        <a:cs typeface="Times New Roman" panose="02020603050405020304" pitchFamily="18" charset="0"/>
+                      </a:endParaRPr>
+                    </a:p>
+                  </a:txBody>
+                  <a:tcPr marL="68580" marR="68580" marT="0" marB="0"/>
+                </a:tc>
+                <a:tc>
+                  <a:txBody>
+                    <a:bodyPr/>
+                    <a:lstStyle/>
+                    <a:p>
+                      <a:r>
+                        <a:rPr lang="en-US" sz="1100">
+                          <a:effectLst/>
+                        </a:rPr>
+                        <a:t>239401.49</a:t>
+                      </a:r>
+                      <a:endParaRPr lang="en-IN" sz="1100">
+                        <a:effectLst/>
+                        <a:latin typeface="Calibri" panose="020F0502020204030204" pitchFamily="34" charset="0"/>
+                        <a:cs typeface="Times New Roman" panose="02020603050405020304" pitchFamily="18" charset="0"/>
+                      </a:endParaRPr>
+                    </a:p>
+                  </a:txBody>
+                  <a:tcPr marL="68580" marR="68580" marT="0" marB="0"/>
+                </a:tc>
+                <a:tc>
+                  <a:txBody>
+                    <a:bodyPr/>
+                    <a:lstStyle/>
+                    <a:p>
+                      <a:pPr>
+                        <a:lnSpc>
+                          <a:spcPct val="107000"/>
+                        </a:lnSpc>
+                        <a:spcAft>
+                          <a:spcPts val="0"/>
+                        </a:spcAft>
+                      </a:pPr>
+                      <a:r>
+                        <a:rPr lang="en-US" sz="1100">
+                          <a:effectLst/>
+                        </a:rPr>
+                        <a:t>33.15 %</a:t>
+                      </a:r>
+                      <a:endParaRPr lang="en-IN" sz="1100">
+                        <a:effectLst/>
+                        <a:latin typeface="Calibri" panose="020F0502020204030204" pitchFamily="34" charset="0"/>
+                        <a:ea typeface="Calibri" panose="020F0502020204030204" pitchFamily="34" charset="0"/>
+                        <a:cs typeface="Times New Roman" panose="02020603050405020304" pitchFamily="18" charset="0"/>
+                      </a:endParaRPr>
+                    </a:p>
+                  </a:txBody>
+                  <a:tcPr marL="68580" marR="68580" marT="0" marB="0"/>
+                </a:tc>
+                <a:extLst>
+                  <a:ext uri="{0D108BD9-81ED-4DB2-BD59-A6C34878D82A}">
+                    <a16:rowId xmlns:a16="http://schemas.microsoft.com/office/drawing/2014/main" val="2340389670"/>
+                  </a:ext>
+                </a:extLst>
+              </a:tr>
+              <a:tr h="302948">
+                <a:tc>
+                  <a:txBody>
+                    <a:bodyPr/>
+                    <a:lstStyle/>
+                    <a:p>
+                      <a:pPr>
+                        <a:lnSpc>
+                          <a:spcPct val="107000"/>
+                        </a:lnSpc>
+                        <a:spcAft>
+                          <a:spcPts val="0"/>
+                        </a:spcAft>
+                      </a:pPr>
+                      <a:r>
+                        <a:rPr lang="en-US" sz="1100" dirty="0">
+                          <a:effectLst/>
+                        </a:rPr>
+                        <a:t>PNN</a:t>
+                      </a:r>
+                      <a:endParaRPr lang="en-IN" sz="1100" dirty="0">
+                        <a:effectLst/>
+                        <a:latin typeface="Calibri" panose="020F0502020204030204" pitchFamily="34" charset="0"/>
+                        <a:ea typeface="Calibri" panose="020F0502020204030204" pitchFamily="34" charset="0"/>
+                        <a:cs typeface="Times New Roman" panose="02020603050405020304" pitchFamily="18" charset="0"/>
+                      </a:endParaRPr>
+                    </a:p>
+                  </a:txBody>
+                  <a:tcPr marL="68580" marR="68580" marT="0" marB="0"/>
+                </a:tc>
+                <a:tc>
+                  <a:txBody>
+                    <a:bodyPr/>
+                    <a:lstStyle/>
+                    <a:p>
+                      <a:r>
+                        <a:rPr lang="en-US" sz="1100">
+                          <a:effectLst/>
+                        </a:rPr>
+                        <a:t>220270.50</a:t>
+                      </a:r>
+                      <a:endParaRPr lang="en-IN" sz="1100">
+                        <a:effectLst/>
+                        <a:latin typeface="Calibri" panose="020F0502020204030204" pitchFamily="34" charset="0"/>
+                        <a:cs typeface="Times New Roman" panose="02020603050405020304" pitchFamily="18" charset="0"/>
+                      </a:endParaRPr>
+                    </a:p>
+                  </a:txBody>
+                  <a:tcPr marL="68580" marR="68580" marT="0" marB="0"/>
+                </a:tc>
+                <a:tc>
+                  <a:txBody>
+                    <a:bodyPr/>
+                    <a:lstStyle/>
+                    <a:p>
+                      <a:r>
+                        <a:rPr lang="en-US" sz="1100" dirty="0">
+                          <a:effectLst/>
+                        </a:rPr>
+                        <a:t>26.61 %</a:t>
+                      </a:r>
+                      <a:endParaRPr lang="en-IN" sz="1100" dirty="0">
+                        <a:effectLst/>
+                        <a:latin typeface="Calibri" panose="020F0502020204030204" pitchFamily="34" charset="0"/>
+                        <a:cs typeface="Times New Roman" panose="02020603050405020304" pitchFamily="18" charset="0"/>
+                      </a:endParaRPr>
+                    </a:p>
+                  </a:txBody>
+                  <a:tcPr marL="68580" marR="68580" marT="0" marB="0"/>
+                </a:tc>
+                <a:extLst>
+                  <a:ext uri="{0D108BD9-81ED-4DB2-BD59-A6C34878D82A}">
+                    <a16:rowId xmlns:a16="http://schemas.microsoft.com/office/drawing/2014/main" val="1343381399"/>
+                  </a:ext>
+                </a:extLst>
+              </a:tr>
+            </a:tbl>
+          </a:graphicData>
+        </a:graphic>
+      </p:graphicFrame>
+      <p:graphicFrame>
+        <p:nvGraphicFramePr>
+          <p:cNvPr id="21" name="Table 20">
+            <a:extLst>
+              <a:ext uri="{FF2B5EF4-FFF2-40B4-BE49-F238E27FC236}">
+                <a16:creationId xmlns:a16="http://schemas.microsoft.com/office/drawing/2014/main" id="{D18530DD-0CF7-EE4E-B31D-367429B9A44B}"/>
+              </a:ext>
+            </a:extLst>
+          </p:cNvPr>
+          <p:cNvGraphicFramePr>
+            <a:graphicFrameLocks noGrp="1"/>
+          </p:cNvGraphicFramePr>
+          <p:nvPr>
+            <p:extLst>
+              <p:ext uri="{D42A27DB-BD31-4B8C-83A1-F6EECF244321}">
+                <p14:modId xmlns:p14="http://schemas.microsoft.com/office/powerpoint/2010/main" val="1024961455"/>
+              </p:ext>
+            </p:extLst>
+          </p:nvPr>
+        </p:nvGraphicFramePr>
+        <p:xfrm>
+          <a:off x="6032182" y="5003799"/>
+          <a:ext cx="5725160" cy="1211792"/>
+        </p:xfrm>
+        <a:graphic>
+          <a:graphicData uri="http://schemas.openxmlformats.org/drawingml/2006/table">
+            <a:tbl>
+              <a:tblPr firstRow="1" firstCol="1" bandRow="1">
+                <a:tableStyleId>{5C22544A-7EE6-4342-B048-85BDC9FD1C3A}</a:tableStyleId>
+              </a:tblPr>
+              <a:tblGrid>
+                <a:gridCol w="1908175">
+                  <a:extLst>
+                    <a:ext uri="{9D8B030D-6E8A-4147-A177-3AD203B41FA5}">
+                      <a16:colId xmlns:a16="http://schemas.microsoft.com/office/drawing/2014/main" val="4002309696"/>
+                    </a:ext>
+                  </a:extLst>
+                </a:gridCol>
+                <a:gridCol w="1908175">
+                  <a:extLst>
+                    <a:ext uri="{9D8B030D-6E8A-4147-A177-3AD203B41FA5}">
+                      <a16:colId xmlns:a16="http://schemas.microsoft.com/office/drawing/2014/main" val="180666230"/>
+                    </a:ext>
+                  </a:extLst>
+                </a:gridCol>
+                <a:gridCol w="1908810">
+                  <a:extLst>
+                    <a:ext uri="{9D8B030D-6E8A-4147-A177-3AD203B41FA5}">
+                      <a16:colId xmlns:a16="http://schemas.microsoft.com/office/drawing/2014/main" val="2679081499"/>
+                    </a:ext>
+                  </a:extLst>
+                </a:gridCol>
+              </a:tblGrid>
+              <a:tr h="302948">
+                <a:tc>
+                  <a:txBody>
+                    <a:bodyPr/>
+                    <a:lstStyle/>
+                    <a:p>
+                      <a:pPr>
+                        <a:lnSpc>
+                          <a:spcPct val="107000"/>
+                        </a:lnSpc>
+                        <a:spcAft>
+                          <a:spcPts val="0"/>
+                        </a:spcAft>
+                      </a:pPr>
+                      <a:r>
+                        <a:rPr lang="en-US" sz="1100">
+                          <a:effectLst/>
+                        </a:rPr>
+                        <a:t>Algorithm</a:t>
+                      </a:r>
+                      <a:endParaRPr lang="en-IN" sz="1100">
+                        <a:effectLst/>
+                        <a:latin typeface="Calibri" panose="020F0502020204030204" pitchFamily="34" charset="0"/>
+                        <a:ea typeface="Calibri" panose="020F0502020204030204" pitchFamily="34" charset="0"/>
+                        <a:cs typeface="Times New Roman" panose="02020603050405020304" pitchFamily="18" charset="0"/>
+                      </a:endParaRPr>
+                    </a:p>
+                  </a:txBody>
+                  <a:tcPr marL="68580" marR="68580" marT="0" marB="0"/>
+                </a:tc>
+                <a:tc>
+                  <a:txBody>
+                    <a:bodyPr/>
+                    <a:lstStyle/>
+                    <a:p>
+                      <a:pPr>
+                        <a:lnSpc>
+                          <a:spcPct val="107000"/>
+                        </a:lnSpc>
+                        <a:spcAft>
+                          <a:spcPts val="0"/>
+                        </a:spcAft>
+                      </a:pPr>
+                      <a:r>
+                        <a:rPr lang="en-US" sz="1100">
+                          <a:effectLst/>
+                        </a:rPr>
+                        <a:t>RMSE</a:t>
+                      </a:r>
+                      <a:endParaRPr lang="en-IN" sz="1100">
+                        <a:effectLst/>
+                        <a:latin typeface="Calibri" panose="020F0502020204030204" pitchFamily="34" charset="0"/>
+                        <a:ea typeface="Calibri" panose="020F0502020204030204" pitchFamily="34" charset="0"/>
+                        <a:cs typeface="Times New Roman" panose="02020603050405020304" pitchFamily="18" charset="0"/>
+                      </a:endParaRPr>
+                    </a:p>
+                  </a:txBody>
+                  <a:tcPr marL="68580" marR="68580" marT="0" marB="0"/>
+                </a:tc>
+                <a:tc>
+                  <a:txBody>
+                    <a:bodyPr/>
+                    <a:lstStyle/>
+                    <a:p>
+                      <a:pPr>
+                        <a:lnSpc>
+                          <a:spcPct val="107000"/>
+                        </a:lnSpc>
+                        <a:spcAft>
+                          <a:spcPts val="0"/>
+                        </a:spcAft>
+                      </a:pPr>
+                      <a:r>
+                        <a:rPr lang="en-US" sz="1100">
+                          <a:effectLst/>
+                        </a:rPr>
+                        <a:t>MAPE</a:t>
+                      </a:r>
+                      <a:endParaRPr lang="en-IN" sz="1100">
+                        <a:effectLst/>
+                        <a:latin typeface="Calibri" panose="020F0502020204030204" pitchFamily="34" charset="0"/>
+                        <a:ea typeface="Calibri" panose="020F0502020204030204" pitchFamily="34" charset="0"/>
+                        <a:cs typeface="Times New Roman" panose="02020603050405020304" pitchFamily="18" charset="0"/>
+                      </a:endParaRPr>
+                    </a:p>
+                  </a:txBody>
+                  <a:tcPr marL="68580" marR="68580" marT="0" marB="0"/>
+                </a:tc>
+                <a:extLst>
+                  <a:ext uri="{0D108BD9-81ED-4DB2-BD59-A6C34878D82A}">
+                    <a16:rowId xmlns:a16="http://schemas.microsoft.com/office/drawing/2014/main" val="576725227"/>
+                  </a:ext>
+                </a:extLst>
+              </a:tr>
+              <a:tr h="302948">
+                <a:tc>
+                  <a:txBody>
+                    <a:bodyPr/>
+                    <a:lstStyle/>
+                    <a:p>
+                      <a:pPr>
+                        <a:lnSpc>
+                          <a:spcPct val="107000"/>
+                        </a:lnSpc>
+                        <a:spcAft>
+                          <a:spcPts val="0"/>
+                        </a:spcAft>
+                      </a:pPr>
+                      <a:r>
+                        <a:rPr lang="en-US" sz="1100">
+                          <a:effectLst/>
+                        </a:rPr>
+                        <a:t>CART</a:t>
+                      </a:r>
+                      <a:endParaRPr lang="en-IN" sz="1100">
+                        <a:effectLst/>
+                        <a:latin typeface="Calibri" panose="020F0502020204030204" pitchFamily="34" charset="0"/>
+                        <a:ea typeface="Calibri" panose="020F0502020204030204" pitchFamily="34" charset="0"/>
+                        <a:cs typeface="Times New Roman" panose="02020603050405020304" pitchFamily="18" charset="0"/>
+                      </a:endParaRPr>
+                    </a:p>
+                  </a:txBody>
+                  <a:tcPr marL="68580" marR="68580" marT="0" marB="0"/>
+                </a:tc>
+                <a:tc>
+                  <a:txBody>
+                    <a:bodyPr/>
+                    <a:lstStyle/>
+                    <a:p>
+                      <a:r>
+                        <a:rPr lang="en-IN" sz="1100" dirty="0">
+                          <a:effectLst/>
+                          <a:latin typeface="Calibri" panose="020F0502020204030204" pitchFamily="34" charset="0"/>
+                          <a:cs typeface="Times New Roman" panose="02020603050405020304" pitchFamily="18" charset="0"/>
+                        </a:rPr>
+                        <a:t>4515.30</a:t>
+                      </a:r>
+                    </a:p>
+                  </a:txBody>
+                  <a:tcPr marL="68580" marR="68580" marT="0" marB="0"/>
+                </a:tc>
+                <a:tc>
+                  <a:txBody>
+                    <a:bodyPr/>
+                    <a:lstStyle/>
+                    <a:p>
+                      <a:pPr>
+                        <a:lnSpc>
+                          <a:spcPct val="107000"/>
+                        </a:lnSpc>
+                        <a:spcAft>
+                          <a:spcPts val="0"/>
+                        </a:spcAft>
+                      </a:pPr>
+                      <a:r>
+                        <a:rPr lang="en-IN" sz="1100" dirty="0">
+                          <a:effectLst/>
+                          <a:latin typeface="Calibri" panose="020F0502020204030204" pitchFamily="34" charset="0"/>
+                          <a:ea typeface="Calibri" panose="020F0502020204030204" pitchFamily="34" charset="0"/>
+                          <a:cs typeface="Times New Roman" panose="02020603050405020304" pitchFamily="18" charset="0"/>
+                        </a:rPr>
+                        <a:t>9.86%</a:t>
+                      </a:r>
+                    </a:p>
+                  </a:txBody>
+                  <a:tcPr marL="68580" marR="68580" marT="0" marB="0"/>
+                </a:tc>
+                <a:extLst>
+                  <a:ext uri="{0D108BD9-81ED-4DB2-BD59-A6C34878D82A}">
+                    <a16:rowId xmlns:a16="http://schemas.microsoft.com/office/drawing/2014/main" val="2960711123"/>
+                  </a:ext>
+                </a:extLst>
+              </a:tr>
+              <a:tr h="302948">
+                <a:tc>
+                  <a:txBody>
+                    <a:bodyPr/>
+                    <a:lstStyle/>
+                    <a:p>
+                      <a:pPr>
+                        <a:lnSpc>
+                          <a:spcPct val="107000"/>
+                        </a:lnSpc>
+                        <a:spcAft>
+                          <a:spcPts val="0"/>
+                        </a:spcAft>
+                      </a:pPr>
+                      <a:r>
+                        <a:rPr lang="en-US" sz="1100">
+                          <a:effectLst/>
+                        </a:rPr>
+                        <a:t>RF</a:t>
+                      </a:r>
+                      <a:endParaRPr lang="en-IN" sz="1100">
+                        <a:effectLst/>
+                        <a:latin typeface="Calibri" panose="020F0502020204030204" pitchFamily="34" charset="0"/>
+                        <a:ea typeface="Calibri" panose="020F0502020204030204" pitchFamily="34" charset="0"/>
+                        <a:cs typeface="Times New Roman" panose="02020603050405020304" pitchFamily="18" charset="0"/>
+                      </a:endParaRPr>
+                    </a:p>
+                  </a:txBody>
+                  <a:tcPr marL="68580" marR="68580" marT="0" marB="0"/>
+                </a:tc>
+                <a:tc>
+                  <a:txBody>
+                    <a:bodyPr/>
+                    <a:lstStyle/>
+                    <a:p>
+                      <a:r>
+                        <a:rPr lang="en-US" sz="1100" dirty="0">
+                          <a:effectLst/>
+                          <a:latin typeface="Calibri" panose="020F0502020204030204" pitchFamily="34" charset="0"/>
+                          <a:cs typeface="Times New Roman" panose="02020603050405020304" pitchFamily="18" charset="0"/>
+                        </a:rPr>
+                        <a:t>5151.02</a:t>
+                      </a:r>
+                      <a:endParaRPr lang="en-IN" sz="1100" dirty="0">
+                        <a:effectLst/>
+                        <a:latin typeface="Calibri" panose="020F0502020204030204" pitchFamily="34" charset="0"/>
+                        <a:cs typeface="Times New Roman" panose="02020603050405020304" pitchFamily="18" charset="0"/>
+                      </a:endParaRPr>
+                    </a:p>
+                  </a:txBody>
+                  <a:tcPr marL="68580" marR="68580" marT="0" marB="0"/>
+                </a:tc>
+                <a:tc>
+                  <a:txBody>
+                    <a:bodyPr/>
+                    <a:lstStyle/>
+                    <a:p>
+                      <a:pPr>
+                        <a:lnSpc>
+                          <a:spcPct val="107000"/>
+                        </a:lnSpc>
+                        <a:spcAft>
+                          <a:spcPts val="0"/>
+                        </a:spcAft>
+                      </a:pPr>
+                      <a:r>
+                        <a:rPr lang="en-IN" sz="1100" dirty="0">
+                          <a:effectLst/>
+                          <a:latin typeface="Calibri" panose="020F0502020204030204" pitchFamily="34" charset="0"/>
+                          <a:ea typeface="Calibri" panose="020F0502020204030204" pitchFamily="34" charset="0"/>
+                          <a:cs typeface="Times New Roman" panose="02020603050405020304" pitchFamily="18" charset="0"/>
+                        </a:rPr>
+                        <a:t>11.02%</a:t>
+                      </a:r>
+                    </a:p>
+                  </a:txBody>
+                  <a:tcPr marL="68580" marR="68580" marT="0" marB="0"/>
+                </a:tc>
+                <a:extLst>
+                  <a:ext uri="{0D108BD9-81ED-4DB2-BD59-A6C34878D82A}">
+                    <a16:rowId xmlns:a16="http://schemas.microsoft.com/office/drawing/2014/main" val="2340389670"/>
+                  </a:ext>
+                </a:extLst>
+              </a:tr>
+              <a:tr h="302948">
+                <a:tc>
+                  <a:txBody>
+                    <a:bodyPr/>
+                    <a:lstStyle/>
+                    <a:p>
+                      <a:pPr>
+                        <a:lnSpc>
+                          <a:spcPct val="107000"/>
+                        </a:lnSpc>
+                        <a:spcAft>
+                          <a:spcPts val="0"/>
+                        </a:spcAft>
+                      </a:pPr>
+                      <a:r>
+                        <a:rPr lang="en-US" sz="1100">
+                          <a:effectLst/>
+                        </a:rPr>
+                        <a:t>PNN</a:t>
+                      </a:r>
+                      <a:endParaRPr lang="en-IN" sz="1100">
+                        <a:effectLst/>
+                        <a:latin typeface="Calibri" panose="020F0502020204030204" pitchFamily="34" charset="0"/>
+                        <a:ea typeface="Calibri" panose="020F0502020204030204" pitchFamily="34" charset="0"/>
+                        <a:cs typeface="Times New Roman" panose="02020603050405020304" pitchFamily="18" charset="0"/>
+                      </a:endParaRPr>
+                    </a:p>
+                  </a:txBody>
+                  <a:tcPr marL="68580" marR="68580" marT="0" marB="0"/>
+                </a:tc>
+                <a:tc>
+                  <a:txBody>
+                    <a:bodyPr/>
+                    <a:lstStyle/>
+                    <a:p>
+                      <a:r>
+                        <a:rPr lang="en-IN" sz="1100" dirty="0">
+                          <a:effectLst/>
+                          <a:latin typeface="Calibri" panose="020F0502020204030204" pitchFamily="34" charset="0"/>
+                          <a:cs typeface="Times New Roman" panose="02020603050405020304" pitchFamily="18" charset="0"/>
+                        </a:rPr>
+                        <a:t>650.61</a:t>
+                      </a:r>
+                    </a:p>
+                  </a:txBody>
+                  <a:tcPr marL="68580" marR="68580" marT="0" marB="0"/>
+                </a:tc>
+                <a:tc>
+                  <a:txBody>
+                    <a:bodyPr/>
+                    <a:lstStyle/>
+                    <a:p>
+                      <a:r>
+                        <a:rPr lang="en-IN" sz="1100" dirty="0">
+                          <a:effectLst/>
+                          <a:latin typeface="Calibri" panose="020F0502020204030204" pitchFamily="34" charset="0"/>
+                          <a:cs typeface="Times New Roman" panose="02020603050405020304" pitchFamily="18" charset="0"/>
+                        </a:rPr>
+                        <a:t>1.33%</a:t>
+                      </a:r>
+                    </a:p>
+                  </a:txBody>
+                  <a:tcPr marL="68580" marR="68580" marT="0" marB="0"/>
+                </a:tc>
+                <a:extLst>
+                  <a:ext uri="{0D108BD9-81ED-4DB2-BD59-A6C34878D82A}">
+                    <a16:rowId xmlns:a16="http://schemas.microsoft.com/office/drawing/2014/main" val="1343381399"/>
+                  </a:ext>
+                </a:extLst>
+              </a:tr>
+            </a:tbl>
+          </a:graphicData>
+        </a:graphic>
+      </p:graphicFrame>
+      <p:sp>
+        <p:nvSpPr>
+          <p:cNvPr id="7" name="TextBox 6">
+            <a:extLst>
+              <a:ext uri="{FF2B5EF4-FFF2-40B4-BE49-F238E27FC236}">
+                <a16:creationId xmlns:a16="http://schemas.microsoft.com/office/drawing/2014/main" id="{D4955957-A5B7-5E47-8705-9F990F88F99A}"/>
+              </a:ext>
+            </a:extLst>
+          </p:cNvPr>
+          <p:cNvSpPr txBox="1"/>
+          <p:nvPr/>
+        </p:nvSpPr>
+        <p:spPr>
+          <a:xfrm>
+            <a:off x="6032182" y="2933700"/>
+            <a:ext cx="1752918" cy="369332"/>
+          </a:xfrm>
+          <a:prstGeom prst="rect">
+            <a:avLst/>
+          </a:prstGeom>
+          <a:noFill/>
+        </p:spPr>
+        <p:txBody>
+          <a:bodyPr wrap="square" rtlCol="0">
+            <a:spAutoFit/>
+          </a:bodyPr>
           <a:lstStyle/>
           <a:p>
             <a:r>
               <a:rPr lang="en-US" dirty="0"/>
-              <a:t>PNN was tested for accuracy and RMSE against CART and Random Forest Algorithms</a:t>
+              <a:t>Dataset 1</a:t>
             </a:r>
           </a:p>
+        </p:txBody>
+      </p:sp>
+      <p:sp>
+        <p:nvSpPr>
+          <p:cNvPr id="22" name="TextBox 21">
+            <a:extLst>
+              <a:ext uri="{FF2B5EF4-FFF2-40B4-BE49-F238E27FC236}">
+                <a16:creationId xmlns:a16="http://schemas.microsoft.com/office/drawing/2014/main" id="{B2DA709B-8AC6-4D41-AE33-34F51D184930}"/>
+              </a:ext>
+            </a:extLst>
+          </p:cNvPr>
+          <p:cNvSpPr txBox="1"/>
+          <p:nvPr/>
+        </p:nvSpPr>
+        <p:spPr>
+          <a:xfrm>
+            <a:off x="6032182" y="4605910"/>
+            <a:ext cx="1752918" cy="369332"/>
+          </a:xfrm>
+          <a:prstGeom prst="rect">
+            <a:avLst/>
+          </a:prstGeom>
+          <a:noFill/>
+        </p:spPr>
+        <p:txBody>
+          <a:bodyPr wrap="square" rtlCol="0">
+            <a:spAutoFit/>
+          </a:bodyPr>
+          <a:lstStyle/>
           <a:p>
             <a:r>
-              <a:rPr lang="en-US"/>
-              <a:t>2 datasets were used</a:t>
+              <a:rPr lang="en-US" dirty="0"/>
+              <a:t>Dataset 2</a:t>
             </a:r>
-            <a:endParaRPr lang="en-US" dirty="0"/>
           </a:p>
         </p:txBody>
       </p:sp>

--- a/PNN_v1.pptx
+++ b/PNN_v1.pptx
@@ -12,6 +12,7 @@
     <p:sldId id="266" r:id="rId6"/>
     <p:sldId id="261" r:id="rId7"/>
     <p:sldId id="262" r:id="rId8"/>
+    <p:sldId id="268" r:id="rId9"/>
   </p:sldIdLst>
   <p:sldSz cx="12192000" cy="6858000"/>
   <p:notesSz cx="6858000" cy="9144000"/>
@@ -17168,6 +17169,108 @@
 </p:sld>
 </file>
 
+<file path=ppt/slides/slide8.xml><?xml version="1.0" encoding="utf-8"?>
+<p:sld xmlns:a="http://schemas.openxmlformats.org/drawingml/2006/main" xmlns:r="http://schemas.openxmlformats.org/officeDocument/2006/relationships" xmlns:p="http://schemas.openxmlformats.org/presentationml/2006/main">
+  <p:cSld>
+    <p:spTree>
+      <p:nvGrpSpPr>
+        <p:cNvPr id="1" name=""/>
+        <p:cNvGrpSpPr/>
+        <p:nvPr/>
+      </p:nvGrpSpPr>
+      <p:grpSpPr>
+        <a:xfrm>
+          <a:off x="0" y="0"/>
+          <a:ext cx="0" cy="0"/>
+          <a:chOff x="0" y="0"/>
+          <a:chExt cx="0" cy="0"/>
+        </a:xfrm>
+      </p:grpSpPr>
+      <p:sp>
+        <p:nvSpPr>
+          <p:cNvPr id="2" name="Title 1">
+            <a:extLst>
+              <a:ext uri="{FF2B5EF4-FFF2-40B4-BE49-F238E27FC236}">
+                <a16:creationId xmlns:a16="http://schemas.microsoft.com/office/drawing/2014/main" id="{2559B01D-10D9-6246-84BC-52E2A71BF2E4}"/>
+              </a:ext>
+            </a:extLst>
+          </p:cNvPr>
+          <p:cNvSpPr>
+            <a:spLocks noGrp="1"/>
+          </p:cNvSpPr>
+          <p:nvPr>
+            <p:ph type="title"/>
+          </p:nvPr>
+        </p:nvSpPr>
+        <p:spPr/>
+        <p:txBody>
+          <a:bodyPr/>
+          <a:lstStyle/>
+          <a:p>
+            <a:r>
+              <a:rPr lang="en-US" dirty="0"/>
+              <a:t>Thank you</a:t>
+            </a:r>
+          </a:p>
+        </p:txBody>
+      </p:sp>
+      <p:sp>
+        <p:nvSpPr>
+          <p:cNvPr id="3" name="Text Placeholder 2">
+            <a:extLst>
+              <a:ext uri="{FF2B5EF4-FFF2-40B4-BE49-F238E27FC236}">
+                <a16:creationId xmlns:a16="http://schemas.microsoft.com/office/drawing/2014/main" id="{5734E972-E557-294C-B1D2-F51AE7944FBB}"/>
+              </a:ext>
+            </a:extLst>
+          </p:cNvPr>
+          <p:cNvSpPr>
+            <a:spLocks noGrp="1"/>
+          </p:cNvSpPr>
+          <p:nvPr>
+            <p:ph type="body" idx="1"/>
+          </p:nvPr>
+        </p:nvSpPr>
+        <p:spPr/>
+        <p:txBody>
+          <a:bodyPr/>
+          <a:lstStyle/>
+          <a:p>
+            <a:r>
+              <a:rPr lang="en-US" dirty="0" err="1"/>
+              <a:t>Github</a:t>
+            </a:r>
+            <a:r>
+              <a:rPr lang="en-US" dirty="0"/>
+              <a:t> </a:t>
+            </a:r>
+          </a:p>
+          <a:p>
+            <a:r>
+              <a:rPr lang="en-US" dirty="0">
+                <a:hlinkClick r:id="rId2"/>
+              </a:rPr>
+              <a:t>https://github.com/sv9469/decision_tree_with_knn_regression</a:t>
+            </a:r>
+            <a:endParaRPr lang="en-US" dirty="0"/>
+          </a:p>
+          <a:p>
+            <a:endParaRPr lang="en-US" dirty="0"/>
+          </a:p>
+        </p:txBody>
+      </p:sp>
+    </p:spTree>
+    <p:extLst>
+      <p:ext uri="{BB962C8B-B14F-4D97-AF65-F5344CB8AC3E}">
+        <p14:creationId xmlns:p14="http://schemas.microsoft.com/office/powerpoint/2010/main" val="3097451423"/>
+      </p:ext>
+    </p:extLst>
+  </p:cSld>
+  <p:clrMapOvr>
+    <a:masterClrMapping/>
+  </p:clrMapOvr>
+</p:sld>
+</file>
+
 <file path=ppt/theme/theme1.xml><?xml version="1.0" encoding="utf-8"?>
 <a:theme xmlns:a="http://schemas.openxmlformats.org/drawingml/2006/main" name="Gallery">
   <a:themeElements>
